--- a/Proyecto Examen transversal.pptx
+++ b/Proyecto Examen transversal.pptx
@@ -7,6 +7,9 @@
   <p:sldIdLst>
     <p:sldId id="256" r:id="rId2"/>
     <p:sldId id="257" r:id="rId3"/>
+    <p:sldId id="258" r:id="rId4"/>
+    <p:sldId id="259" r:id="rId5"/>
+    <p:sldId id="260" r:id="rId6"/>
   </p:sldIdLst>
   <p:sldSz cx="12192000" cy="6858000"/>
   <p:notesSz cx="6858000" cy="9144000"/>
@@ -105,6 +108,11 @@
       </a:defRPr>
     </a:lvl9pPr>
   </p:defaultTextStyle>
+  <p:extLst>
+    <p:ext uri="{EFAFB233-063F-42B5-8137-9DF3F51BA10A}">
+      <p15:sldGuideLst xmlns:p15="http://schemas.microsoft.com/office/powerpoint/2012/main"/>
+    </p:ext>
+  </p:extLst>
 </p:presentation>
 </file>
 
@@ -158,7 +166,7 @@
           <a:noFill/>
           <a:extLst>
             <a:ext uri="{909E8E84-426E-40dd-AFC4-6F175D3DCCD1}">
-              <a14:hiddenFill xmlns:a14="http://schemas.microsoft.com/office/drawing/2010/main" xmlns="">
+              <a14:hiddenFill xmlns="" xmlns:a14="http://schemas.microsoft.com/office/drawing/2010/main">
                 <a:solidFill>
                   <a:srgbClr val="FFFFFF"/>
                 </a:solidFill>
@@ -218,7 +226,7 @@
             </a:ln>
             <a:extLst>
               <a:ext uri="{91240B29-F687-4f45-9708-019B960494DF}">
-                <a14:hiddenLine xmlns:a14="http://schemas.microsoft.com/office/drawing/2010/main" xmlns="" w="9525">
+                <a14:hiddenLine xmlns="" xmlns:a14="http://schemas.microsoft.com/office/drawing/2010/main" w="9525">
                   <a:solidFill>
                     <a:srgbClr val="000000"/>
                   </a:solidFill>
@@ -308,7 +316,7 @@
             </a:ln>
             <a:extLst>
               <a:ext uri="{91240B29-F687-4f45-9708-019B960494DF}">
-                <a14:hiddenLine xmlns:a14="http://schemas.microsoft.com/office/drawing/2010/main" xmlns="" w="9525">
+                <a14:hiddenLine xmlns="" xmlns:a14="http://schemas.microsoft.com/office/drawing/2010/main" w="9525">
                   <a:solidFill>
                     <a:srgbClr val="000000"/>
                   </a:solidFill>
@@ -398,7 +406,7 @@
             </a:ln>
             <a:extLst>
               <a:ext uri="{91240B29-F687-4f45-9708-019B960494DF}">
-                <a14:hiddenLine xmlns:a14="http://schemas.microsoft.com/office/drawing/2010/main" xmlns="" w="9525">
+                <a14:hiddenLine xmlns="" xmlns:a14="http://schemas.microsoft.com/office/drawing/2010/main" w="9525">
                   <a:solidFill>
                     <a:srgbClr val="000000"/>
                   </a:solidFill>
@@ -432,7 +440,7 @@
             </a:ln>
             <a:extLst>
               <a:ext uri="{91240B29-F687-4f45-9708-019B960494DF}">
-                <a14:hiddenLine xmlns:a14="http://schemas.microsoft.com/office/drawing/2010/main" xmlns="" w="9525">
+                <a14:hiddenLine xmlns="" xmlns:a14="http://schemas.microsoft.com/office/drawing/2010/main" w="9525">
                   <a:solidFill>
                     <a:srgbClr val="000000"/>
                   </a:solidFill>
@@ -522,7 +530,7 @@
             </a:ln>
             <a:extLst>
               <a:ext uri="{91240B29-F687-4f45-9708-019B960494DF}">
-                <a14:hiddenLine xmlns:a14="http://schemas.microsoft.com/office/drawing/2010/main" xmlns="" w="9525">
+                <a14:hiddenLine xmlns="" xmlns:a14="http://schemas.microsoft.com/office/drawing/2010/main" w="9525">
                   <a:solidFill>
                     <a:srgbClr val="000000"/>
                   </a:solidFill>
@@ -584,7 +592,7 @@
             </a:ln>
             <a:extLst>
               <a:ext uri="{91240B29-F687-4f45-9708-019B960494DF}">
-                <a14:hiddenLine xmlns:a14="http://schemas.microsoft.com/office/drawing/2010/main" xmlns="" w="9525">
+                <a14:hiddenLine xmlns="" xmlns:a14="http://schemas.microsoft.com/office/drawing/2010/main" w="9525">
                   <a:solidFill>
                     <a:srgbClr val="000000"/>
                   </a:solidFill>
@@ -646,7 +654,7 @@
             </a:ln>
             <a:extLst>
               <a:ext uri="{91240B29-F687-4f45-9708-019B960494DF}">
-                <a14:hiddenLine xmlns:a14="http://schemas.microsoft.com/office/drawing/2010/main" xmlns="" w="9525">
+                <a14:hiddenLine xmlns="" xmlns:a14="http://schemas.microsoft.com/office/drawing/2010/main" w="9525">
                   <a:solidFill>
                     <a:srgbClr val="000000"/>
                   </a:solidFill>
@@ -736,7 +744,7 @@
             </a:ln>
             <a:extLst>
               <a:ext uri="{91240B29-F687-4f45-9708-019B960494DF}">
-                <a14:hiddenLine xmlns:a14="http://schemas.microsoft.com/office/drawing/2010/main" xmlns="" w="9525">
+                <a14:hiddenLine xmlns="" xmlns:a14="http://schemas.microsoft.com/office/drawing/2010/main" w="9525">
                   <a:solidFill>
                     <a:srgbClr val="000000"/>
                   </a:solidFill>
@@ -798,7 +806,7 @@
             </a:ln>
             <a:extLst>
               <a:ext uri="{91240B29-F687-4f45-9708-019B960494DF}">
-                <a14:hiddenLine xmlns:a14="http://schemas.microsoft.com/office/drawing/2010/main" xmlns="" w="9525">
+                <a14:hiddenLine xmlns="" xmlns:a14="http://schemas.microsoft.com/office/drawing/2010/main" w="9525">
                   <a:solidFill>
                     <a:srgbClr val="000000"/>
                   </a:solidFill>
@@ -860,7 +868,7 @@
             </a:ln>
             <a:extLst>
               <a:ext uri="{91240B29-F687-4f45-9708-019B960494DF}">
-                <a14:hiddenLine xmlns:a14="http://schemas.microsoft.com/office/drawing/2010/main" xmlns="" w="9525">
+                <a14:hiddenLine xmlns="" xmlns:a14="http://schemas.microsoft.com/office/drawing/2010/main" w="9525">
                   <a:solidFill>
                     <a:srgbClr val="000000"/>
                   </a:solidFill>
@@ -950,7 +958,7 @@
             </a:ln>
             <a:extLst>
               <a:ext uri="{91240B29-F687-4f45-9708-019B960494DF}">
-                <a14:hiddenLine xmlns:a14="http://schemas.microsoft.com/office/drawing/2010/main" xmlns="" w="9525">
+                <a14:hiddenLine xmlns="" xmlns:a14="http://schemas.microsoft.com/office/drawing/2010/main" w="9525">
                   <a:solidFill>
                     <a:srgbClr val="000000"/>
                   </a:solidFill>
@@ -1040,7 +1048,7 @@
             </a:ln>
             <a:extLst>
               <a:ext uri="{91240B29-F687-4f45-9708-019B960494DF}">
-                <a14:hiddenLine xmlns:a14="http://schemas.microsoft.com/office/drawing/2010/main" xmlns="" w="9525">
+                <a14:hiddenLine xmlns="" xmlns:a14="http://schemas.microsoft.com/office/drawing/2010/main" w="9525">
                   <a:solidFill>
                     <a:srgbClr val="000000"/>
                   </a:solidFill>
@@ -1102,7 +1110,7 @@
             </a:ln>
             <a:extLst>
               <a:ext uri="{91240B29-F687-4f45-9708-019B960494DF}">
-                <a14:hiddenLine xmlns:a14="http://schemas.microsoft.com/office/drawing/2010/main" xmlns="" w="9525">
+                <a14:hiddenLine xmlns="" xmlns:a14="http://schemas.microsoft.com/office/drawing/2010/main" w="9525">
                   <a:solidFill>
                     <a:srgbClr val="000000"/>
                   </a:solidFill>
@@ -1212,7 +1220,7 @@
             </a:ln>
             <a:extLst>
               <a:ext uri="{91240B29-F687-4f45-9708-019B960494DF}">
-                <a14:hiddenLine xmlns:a14="http://schemas.microsoft.com/office/drawing/2010/main" xmlns="" w="9525">
+                <a14:hiddenLine xmlns="" xmlns:a14="http://schemas.microsoft.com/office/drawing/2010/main" w="9525">
                   <a:solidFill>
                     <a:srgbClr val="000000"/>
                   </a:solidFill>
@@ -1274,7 +1282,7 @@
             </a:ln>
             <a:extLst>
               <a:ext uri="{91240B29-F687-4f45-9708-019B960494DF}">
-                <a14:hiddenLine xmlns:a14="http://schemas.microsoft.com/office/drawing/2010/main" xmlns="" w="9525">
+                <a14:hiddenLine xmlns="" xmlns:a14="http://schemas.microsoft.com/office/drawing/2010/main" w="9525">
                   <a:solidFill>
                     <a:srgbClr val="000000"/>
                   </a:solidFill>
@@ -1364,7 +1372,7 @@
             </a:ln>
             <a:extLst>
               <a:ext uri="{91240B29-F687-4f45-9708-019B960494DF}">
-                <a14:hiddenLine xmlns:a14="http://schemas.microsoft.com/office/drawing/2010/main" xmlns="" w="9525">
+                <a14:hiddenLine xmlns="" xmlns:a14="http://schemas.microsoft.com/office/drawing/2010/main" w="9525">
                   <a:solidFill>
                     <a:srgbClr val="000000"/>
                   </a:solidFill>
@@ -1454,7 +1462,7 @@
             </a:ln>
             <a:extLst>
               <a:ext uri="{91240B29-F687-4f45-9708-019B960494DF}">
-                <a14:hiddenLine xmlns:a14="http://schemas.microsoft.com/office/drawing/2010/main" xmlns="" w="9525">
+                <a14:hiddenLine xmlns="" xmlns:a14="http://schemas.microsoft.com/office/drawing/2010/main" w="9525">
                   <a:solidFill>
                     <a:srgbClr val="000000"/>
                   </a:solidFill>
@@ -1516,7 +1524,7 @@
             </a:ln>
             <a:extLst>
               <a:ext uri="{91240B29-F687-4f45-9708-019B960494DF}">
-                <a14:hiddenLine xmlns:a14="http://schemas.microsoft.com/office/drawing/2010/main" xmlns="" w="9525">
+                <a14:hiddenLine xmlns="" xmlns:a14="http://schemas.microsoft.com/office/drawing/2010/main" w="9525">
                   <a:solidFill>
                     <a:srgbClr val="000000"/>
                   </a:solidFill>
@@ -1606,7 +1614,7 @@
             </a:ln>
             <a:extLst>
               <a:ext uri="{91240B29-F687-4f45-9708-019B960494DF}">
-                <a14:hiddenLine xmlns:a14="http://schemas.microsoft.com/office/drawing/2010/main" xmlns="" w="9525">
+                <a14:hiddenLine xmlns="" xmlns:a14="http://schemas.microsoft.com/office/drawing/2010/main" w="9525">
                   <a:solidFill>
                     <a:srgbClr val="000000"/>
                   </a:solidFill>
@@ -1696,7 +1704,7 @@
             </a:ln>
             <a:extLst>
               <a:ext uri="{91240B29-F687-4f45-9708-019B960494DF}">
-                <a14:hiddenLine xmlns:a14="http://schemas.microsoft.com/office/drawing/2010/main" xmlns="" w="9525">
+                <a14:hiddenLine xmlns="" xmlns:a14="http://schemas.microsoft.com/office/drawing/2010/main" w="9525">
                   <a:solidFill>
                     <a:srgbClr val="000000"/>
                   </a:solidFill>
@@ -1752,7 +1760,7 @@
             </a:ln>
             <a:extLst>
               <a:ext uri="{91240B29-F687-4f45-9708-019B960494DF}">
-                <a14:hiddenLine xmlns:a14="http://schemas.microsoft.com/office/drawing/2010/main" xmlns="" w="9525">
+                <a14:hiddenLine xmlns="" xmlns:a14="http://schemas.microsoft.com/office/drawing/2010/main" w="9525">
                   <a:solidFill>
                     <a:srgbClr val="000000"/>
                   </a:solidFill>
@@ -1842,7 +1850,7 @@
             </a:ln>
             <a:extLst>
               <a:ext uri="{91240B29-F687-4f45-9708-019B960494DF}">
-                <a14:hiddenLine xmlns:a14="http://schemas.microsoft.com/office/drawing/2010/main" xmlns="" w="9525">
+                <a14:hiddenLine xmlns="" xmlns:a14="http://schemas.microsoft.com/office/drawing/2010/main" w="9525">
                   <a:solidFill>
                     <a:srgbClr val="000000"/>
                   </a:solidFill>
@@ -1898,7 +1906,7 @@
             </a:ln>
             <a:extLst>
               <a:ext uri="{91240B29-F687-4f45-9708-019B960494DF}">
-                <a14:hiddenLine xmlns:a14="http://schemas.microsoft.com/office/drawing/2010/main" xmlns="" w="9525">
+                <a14:hiddenLine xmlns="" xmlns:a14="http://schemas.microsoft.com/office/drawing/2010/main" w="9525">
                   <a:solidFill>
                     <a:srgbClr val="000000"/>
                   </a:solidFill>
@@ -1988,7 +1996,7 @@
             </a:ln>
             <a:extLst>
               <a:ext uri="{91240B29-F687-4f45-9708-019B960494DF}">
-                <a14:hiddenLine xmlns:a14="http://schemas.microsoft.com/office/drawing/2010/main" xmlns="" w="9525">
+                <a14:hiddenLine xmlns="" xmlns:a14="http://schemas.microsoft.com/office/drawing/2010/main" w="9525">
                   <a:solidFill>
                     <a:srgbClr val="000000"/>
                   </a:solidFill>
@@ -2056,7 +2064,7 @@
             </a:ln>
             <a:extLst>
               <a:ext uri="{91240B29-F687-4f45-9708-019B960494DF}">
-                <a14:hiddenLine xmlns:a14="http://schemas.microsoft.com/office/drawing/2010/main" xmlns="" w="9525">
+                <a14:hiddenLine xmlns="" xmlns:a14="http://schemas.microsoft.com/office/drawing/2010/main" w="9525">
                   <a:solidFill>
                     <a:srgbClr val="000000"/>
                   </a:solidFill>
@@ -2146,7 +2154,7 @@
             </a:ln>
             <a:extLst>
               <a:ext uri="{91240B29-F687-4f45-9708-019B960494DF}">
-                <a14:hiddenLine xmlns:a14="http://schemas.microsoft.com/office/drawing/2010/main" xmlns="" w="9525">
+                <a14:hiddenLine xmlns="" xmlns:a14="http://schemas.microsoft.com/office/drawing/2010/main" w="9525">
                   <a:solidFill>
                     <a:srgbClr val="000000"/>
                   </a:solidFill>
@@ -2214,7 +2222,7 @@
             </a:ln>
             <a:extLst>
               <a:ext uri="{91240B29-F687-4f45-9708-019B960494DF}">
-                <a14:hiddenLine xmlns:a14="http://schemas.microsoft.com/office/drawing/2010/main" xmlns="" w="9525">
+                <a14:hiddenLine xmlns="" xmlns:a14="http://schemas.microsoft.com/office/drawing/2010/main" w="9525">
                   <a:solidFill>
                     <a:srgbClr val="000000"/>
                   </a:solidFill>
@@ -2304,7 +2312,7 @@
             </a:ln>
             <a:extLst>
               <a:ext uri="{91240B29-F687-4f45-9708-019B960494DF}">
-                <a14:hiddenLine xmlns:a14="http://schemas.microsoft.com/office/drawing/2010/main" xmlns="" w="9525">
+                <a14:hiddenLine xmlns="" xmlns:a14="http://schemas.microsoft.com/office/drawing/2010/main" w="9525">
                   <a:solidFill>
                     <a:srgbClr val="000000"/>
                   </a:solidFill>
@@ -2338,7 +2346,7 @@
             </a:ln>
             <a:extLst>
               <a:ext uri="{91240B29-F687-4f45-9708-019B960494DF}">
-                <a14:hiddenLine xmlns:a14="http://schemas.microsoft.com/office/drawing/2010/main" xmlns="" w="9525">
+                <a14:hiddenLine xmlns="" xmlns:a14="http://schemas.microsoft.com/office/drawing/2010/main" w="9525">
                   <a:solidFill>
                     <a:srgbClr val="000000"/>
                   </a:solidFill>
@@ -2428,7 +2436,7 @@
             </a:ln>
             <a:extLst>
               <a:ext uri="{91240B29-F687-4f45-9708-019B960494DF}">
-                <a14:hiddenLine xmlns:a14="http://schemas.microsoft.com/office/drawing/2010/main" xmlns="" w="9525">
+                <a14:hiddenLine xmlns="" xmlns:a14="http://schemas.microsoft.com/office/drawing/2010/main" w="9525">
                   <a:solidFill>
                     <a:srgbClr val="000000"/>
                   </a:solidFill>
@@ -2490,7 +2498,7 @@
             </a:ln>
             <a:extLst>
               <a:ext uri="{91240B29-F687-4f45-9708-019B960494DF}">
-                <a14:hiddenLine xmlns:a14="http://schemas.microsoft.com/office/drawing/2010/main" xmlns="" w="9525">
+                <a14:hiddenLine xmlns="" xmlns:a14="http://schemas.microsoft.com/office/drawing/2010/main" w="9525">
                   <a:solidFill>
                     <a:srgbClr val="000000"/>
                   </a:solidFill>
@@ -2552,7 +2560,7 @@
             </a:ln>
             <a:extLst>
               <a:ext uri="{91240B29-F687-4f45-9708-019B960494DF}">
-                <a14:hiddenLine xmlns:a14="http://schemas.microsoft.com/office/drawing/2010/main" xmlns="" w="9525">
+                <a14:hiddenLine xmlns="" xmlns:a14="http://schemas.microsoft.com/office/drawing/2010/main" w="9525">
                   <a:solidFill>
                     <a:srgbClr val="000000"/>
                   </a:solidFill>
@@ -2642,7 +2650,7 @@
             </a:ln>
             <a:extLst>
               <a:ext uri="{91240B29-F687-4f45-9708-019B960494DF}">
-                <a14:hiddenLine xmlns:a14="http://schemas.microsoft.com/office/drawing/2010/main" xmlns="" w="9525">
+                <a14:hiddenLine xmlns="" xmlns:a14="http://schemas.microsoft.com/office/drawing/2010/main" w="9525">
                   <a:solidFill>
                     <a:srgbClr val="000000"/>
                   </a:solidFill>
@@ -2710,7 +2718,7 @@
             </a:ln>
             <a:extLst>
               <a:ext uri="{91240B29-F687-4f45-9708-019B960494DF}">
-                <a14:hiddenLine xmlns:a14="http://schemas.microsoft.com/office/drawing/2010/main" xmlns="" w="9525">
+                <a14:hiddenLine xmlns="" xmlns:a14="http://schemas.microsoft.com/office/drawing/2010/main" w="9525">
                   <a:solidFill>
                     <a:srgbClr val="000000"/>
                   </a:solidFill>
@@ -2772,7 +2780,7 @@
             </a:ln>
             <a:extLst>
               <a:ext uri="{91240B29-F687-4f45-9708-019B960494DF}">
-                <a14:hiddenLine xmlns:a14="http://schemas.microsoft.com/office/drawing/2010/main" xmlns="" w="9525">
+                <a14:hiddenLine xmlns="" xmlns:a14="http://schemas.microsoft.com/office/drawing/2010/main" w="9525">
                   <a:solidFill>
                     <a:srgbClr val="000000"/>
                   </a:solidFill>
@@ -2862,7 +2870,7 @@
             </a:ln>
             <a:extLst>
               <a:ext uri="{91240B29-F687-4f45-9708-019B960494DF}">
-                <a14:hiddenLine xmlns:a14="http://schemas.microsoft.com/office/drawing/2010/main" xmlns="" w="9525">
+                <a14:hiddenLine xmlns="" xmlns:a14="http://schemas.microsoft.com/office/drawing/2010/main" w="9525">
                   <a:solidFill>
                     <a:srgbClr val="000000"/>
                   </a:solidFill>
@@ -2924,7 +2932,7 @@
             </a:ln>
             <a:extLst>
               <a:ext uri="{91240B29-F687-4f45-9708-019B960494DF}">
-                <a14:hiddenLine xmlns:a14="http://schemas.microsoft.com/office/drawing/2010/main" xmlns="" w="9525">
+                <a14:hiddenLine xmlns="" xmlns:a14="http://schemas.microsoft.com/office/drawing/2010/main" w="9525">
                   <a:solidFill>
                     <a:srgbClr val="000000"/>
                   </a:solidFill>
@@ -3014,7 +3022,7 @@
             </a:ln>
             <a:extLst>
               <a:ext uri="{91240B29-F687-4f45-9708-019B960494DF}">
-                <a14:hiddenLine xmlns:a14="http://schemas.microsoft.com/office/drawing/2010/main" xmlns="" w="9525">
+                <a14:hiddenLine xmlns="" xmlns:a14="http://schemas.microsoft.com/office/drawing/2010/main" w="9525">
                   <a:solidFill>
                     <a:srgbClr val="000000"/>
                   </a:solidFill>
@@ -3076,7 +3084,7 @@
             </a:ln>
             <a:extLst>
               <a:ext uri="{91240B29-F687-4f45-9708-019B960494DF}">
-                <a14:hiddenLine xmlns:a14="http://schemas.microsoft.com/office/drawing/2010/main" xmlns="" w="9525">
+                <a14:hiddenLine xmlns="" xmlns:a14="http://schemas.microsoft.com/office/drawing/2010/main" w="9525">
                   <a:solidFill>
                     <a:srgbClr val="000000"/>
                   </a:solidFill>
@@ -3166,7 +3174,7 @@
             </a:ln>
             <a:extLst>
               <a:ext uri="{91240B29-F687-4f45-9708-019B960494DF}">
-                <a14:hiddenLine xmlns:a14="http://schemas.microsoft.com/office/drawing/2010/main" xmlns="" w="9525">
+                <a14:hiddenLine xmlns="" xmlns:a14="http://schemas.microsoft.com/office/drawing/2010/main" w="9525">
                   <a:solidFill>
                     <a:srgbClr val="000000"/>
                   </a:solidFill>
@@ -3200,7 +3208,7 @@
             </a:ln>
             <a:extLst>
               <a:ext uri="{91240B29-F687-4f45-9708-019B960494DF}">
-                <a14:hiddenLine xmlns:a14="http://schemas.microsoft.com/office/drawing/2010/main" xmlns="" w="9525">
+                <a14:hiddenLine xmlns="" xmlns:a14="http://schemas.microsoft.com/office/drawing/2010/main" w="9525">
                   <a:solidFill>
                     <a:srgbClr val="000000"/>
                   </a:solidFill>
@@ -3265,7 +3273,7 @@
             </a:ln>
             <a:extLst>
               <a:ext uri="{91240B29-F687-4f45-9708-019B960494DF}">
-                <a14:hiddenLine xmlns:a14="http://schemas.microsoft.com/office/drawing/2010/main" xmlns="" w="9525">
+                <a14:hiddenLine xmlns="" xmlns:a14="http://schemas.microsoft.com/office/drawing/2010/main" w="9525">
                   <a:solidFill>
                     <a:srgbClr val="000000"/>
                   </a:solidFill>
@@ -3355,7 +3363,7 @@
             </a:ln>
             <a:extLst>
               <a:ext uri="{91240B29-F687-4f45-9708-019B960494DF}">
-                <a14:hiddenLine xmlns:a14="http://schemas.microsoft.com/office/drawing/2010/main" xmlns="" w="9525">
+                <a14:hiddenLine xmlns="" xmlns:a14="http://schemas.microsoft.com/office/drawing/2010/main" w="9525">
                   <a:solidFill>
                     <a:srgbClr val="000000"/>
                   </a:solidFill>
@@ -3417,7 +3425,7 @@
             </a:ln>
             <a:extLst>
               <a:ext uri="{91240B29-F687-4f45-9708-019B960494DF}">
-                <a14:hiddenLine xmlns:a14="http://schemas.microsoft.com/office/drawing/2010/main" xmlns="" w="9525">
+                <a14:hiddenLine xmlns="" xmlns:a14="http://schemas.microsoft.com/office/drawing/2010/main" w="9525">
                   <a:solidFill>
                     <a:srgbClr val="000000"/>
                   </a:solidFill>
@@ -3507,7 +3515,7 @@
             </a:ln>
             <a:extLst>
               <a:ext uri="{91240B29-F687-4f45-9708-019B960494DF}">
-                <a14:hiddenLine xmlns:a14="http://schemas.microsoft.com/office/drawing/2010/main" xmlns="" w="9525">
+                <a14:hiddenLine xmlns="" xmlns:a14="http://schemas.microsoft.com/office/drawing/2010/main" w="9525">
                   <a:solidFill>
                     <a:srgbClr val="000000"/>
                   </a:solidFill>
@@ -3597,7 +3605,7 @@
             </a:ln>
             <a:extLst>
               <a:ext uri="{91240B29-F687-4f45-9708-019B960494DF}">
-                <a14:hiddenLine xmlns:a14="http://schemas.microsoft.com/office/drawing/2010/main" xmlns="" w="9525">
+                <a14:hiddenLine xmlns="" xmlns:a14="http://schemas.microsoft.com/office/drawing/2010/main" w="9525">
                   <a:solidFill>
                     <a:srgbClr val="000000"/>
                   </a:solidFill>
@@ -3662,7 +3670,7 @@
             </a:ln>
             <a:extLst>
               <a:ext uri="{91240B29-F687-4f45-9708-019B960494DF}">
-                <a14:hiddenLine xmlns:a14="http://schemas.microsoft.com/office/drawing/2010/main" xmlns="" w="9525">
+                <a14:hiddenLine xmlns="" xmlns:a14="http://schemas.microsoft.com/office/drawing/2010/main" w="9525">
                   <a:solidFill>
                     <a:srgbClr val="000000"/>
                   </a:solidFill>
@@ -3724,7 +3732,7 @@
             </a:ln>
             <a:extLst>
               <a:ext uri="{91240B29-F687-4f45-9708-019B960494DF}">
-                <a14:hiddenLine xmlns:a14="http://schemas.microsoft.com/office/drawing/2010/main" xmlns="" w="9525">
+                <a14:hiddenLine xmlns="" xmlns:a14="http://schemas.microsoft.com/office/drawing/2010/main" w="9525">
                   <a:solidFill>
                     <a:srgbClr val="000000"/>
                   </a:solidFill>
@@ -3814,7 +3822,7 @@
             </a:ln>
             <a:extLst>
               <a:ext uri="{91240B29-F687-4f45-9708-019B960494DF}">
-                <a14:hiddenLine xmlns:a14="http://schemas.microsoft.com/office/drawing/2010/main" xmlns="" w="9525">
+                <a14:hiddenLine xmlns="" xmlns:a14="http://schemas.microsoft.com/office/drawing/2010/main" w="9525">
                   <a:solidFill>
                     <a:srgbClr val="000000"/>
                   </a:solidFill>
@@ -3904,7 +3912,7 @@
             </a:ln>
             <a:extLst>
               <a:ext uri="{91240B29-F687-4f45-9708-019B960494DF}">
-                <a14:hiddenLine xmlns:a14="http://schemas.microsoft.com/office/drawing/2010/main" xmlns="" w="9525">
+                <a14:hiddenLine xmlns="" xmlns:a14="http://schemas.microsoft.com/office/drawing/2010/main" w="9525">
                   <a:solidFill>
                     <a:srgbClr val="000000"/>
                   </a:solidFill>
@@ -3966,7 +3974,7 @@
             </a:ln>
             <a:extLst>
               <a:ext uri="{91240B29-F687-4f45-9708-019B960494DF}">
-                <a14:hiddenLine xmlns:a14="http://schemas.microsoft.com/office/drawing/2010/main" xmlns="" w="9525">
+                <a14:hiddenLine xmlns="" xmlns:a14="http://schemas.microsoft.com/office/drawing/2010/main" w="9525">
                   <a:solidFill>
                     <a:srgbClr val="000000"/>
                   </a:solidFill>
@@ -4086,7 +4094,7 @@
             </a:ln>
             <a:extLst>
               <a:ext uri="{91240B29-F687-4f45-9708-019B960494DF}">
-                <a14:hiddenLine xmlns:a14="http://schemas.microsoft.com/office/drawing/2010/main" xmlns="" w="9525">
+                <a14:hiddenLine xmlns="" xmlns:a14="http://schemas.microsoft.com/office/drawing/2010/main" w="9525">
                   <a:solidFill>
                     <a:srgbClr val="000000"/>
                   </a:solidFill>
@@ -4154,7 +4162,7 @@
             </a:ln>
             <a:extLst>
               <a:ext uri="{91240B29-F687-4f45-9708-019B960494DF}">
-                <a14:hiddenLine xmlns:a14="http://schemas.microsoft.com/office/drawing/2010/main" xmlns="" w="9525">
+                <a14:hiddenLine xmlns="" xmlns:a14="http://schemas.microsoft.com/office/drawing/2010/main" w="9525">
                   <a:solidFill>
                     <a:srgbClr val="000000"/>
                   </a:solidFill>
@@ -4244,7 +4252,7 @@
             </a:ln>
             <a:extLst>
               <a:ext uri="{91240B29-F687-4f45-9708-019B960494DF}">
-                <a14:hiddenLine xmlns:a14="http://schemas.microsoft.com/office/drawing/2010/main" xmlns="" w="9525">
+                <a14:hiddenLine xmlns="" xmlns:a14="http://schemas.microsoft.com/office/drawing/2010/main" w="9525">
                   <a:solidFill>
                     <a:srgbClr val="000000"/>
                   </a:solidFill>
@@ -9051,7 +9059,7 @@
           <a:noFill/>
           <a:extLst>
             <a:ext uri="{909E8E84-426E-40dd-AFC4-6F175D3DCCD1}">
-              <a14:hiddenFill xmlns:a14="http://schemas.microsoft.com/office/drawing/2010/main" xmlns="">
+              <a14:hiddenFill xmlns="" xmlns:a14="http://schemas.microsoft.com/office/drawing/2010/main">
                 <a:solidFill>
                   <a:srgbClr val="FFFFFF"/>
                 </a:solidFill>
@@ -9125,7 +9133,7 @@
               </a:ln>
               <a:extLst>
                 <a:ext uri="{91240B29-F687-4f45-9708-019B960494DF}">
-                  <a14:hiddenLine xmlns:a14="http://schemas.microsoft.com/office/drawing/2010/main" xmlns="" w="9525">
+                  <a14:hiddenLine xmlns="" xmlns:a14="http://schemas.microsoft.com/office/drawing/2010/main" w="9525">
                     <a:solidFill>
                       <a:srgbClr val="000000"/>
                     </a:solidFill>
@@ -9215,7 +9223,7 @@
               </a:ln>
               <a:extLst>
                 <a:ext uri="{91240B29-F687-4f45-9708-019B960494DF}">
-                  <a14:hiddenLine xmlns:a14="http://schemas.microsoft.com/office/drawing/2010/main" xmlns="" w="9525">
+                  <a14:hiddenLine xmlns="" xmlns:a14="http://schemas.microsoft.com/office/drawing/2010/main" w="9525">
                     <a:solidFill>
                       <a:srgbClr val="000000"/>
                     </a:solidFill>
@@ -9305,7 +9313,7 @@
               </a:ln>
               <a:extLst>
                 <a:ext uri="{91240B29-F687-4f45-9708-019B960494DF}">
-                  <a14:hiddenLine xmlns:a14="http://schemas.microsoft.com/office/drawing/2010/main" xmlns="" w="9525">
+                  <a14:hiddenLine xmlns="" xmlns:a14="http://schemas.microsoft.com/office/drawing/2010/main" w="9525">
                     <a:solidFill>
                       <a:srgbClr val="000000"/>
                     </a:solidFill>
@@ -9367,7 +9375,7 @@
               </a:ln>
               <a:extLst>
                 <a:ext uri="{91240B29-F687-4f45-9708-019B960494DF}">
-                  <a14:hiddenLine xmlns:a14="http://schemas.microsoft.com/office/drawing/2010/main" xmlns="" w="9525">
+                  <a14:hiddenLine xmlns="" xmlns:a14="http://schemas.microsoft.com/office/drawing/2010/main" w="9525">
                     <a:solidFill>
                       <a:srgbClr val="000000"/>
                     </a:solidFill>
@@ -9457,7 +9465,7 @@
               </a:ln>
               <a:extLst>
                 <a:ext uri="{91240B29-F687-4f45-9708-019B960494DF}">
-                  <a14:hiddenLine xmlns:a14="http://schemas.microsoft.com/office/drawing/2010/main" xmlns="" w="9525">
+                  <a14:hiddenLine xmlns="" xmlns:a14="http://schemas.microsoft.com/office/drawing/2010/main" w="9525">
                     <a:solidFill>
                       <a:srgbClr val="000000"/>
                     </a:solidFill>
@@ -9519,7 +9527,7 @@
               </a:ln>
               <a:extLst>
                 <a:ext uri="{91240B29-F687-4f45-9708-019B960494DF}">
-                  <a14:hiddenLine xmlns:a14="http://schemas.microsoft.com/office/drawing/2010/main" xmlns="" w="9525">
+                  <a14:hiddenLine xmlns="" xmlns:a14="http://schemas.microsoft.com/office/drawing/2010/main" w="9525">
                     <a:solidFill>
                       <a:srgbClr val="000000"/>
                     </a:solidFill>
@@ -9581,7 +9589,7 @@
               </a:ln>
               <a:extLst>
                 <a:ext uri="{91240B29-F687-4f45-9708-019B960494DF}">
-                  <a14:hiddenLine xmlns:a14="http://schemas.microsoft.com/office/drawing/2010/main" xmlns="" w="9525">
+                  <a14:hiddenLine xmlns="" xmlns:a14="http://schemas.microsoft.com/office/drawing/2010/main" w="9525">
                     <a:solidFill>
                       <a:srgbClr val="000000"/>
                     </a:solidFill>
@@ -9671,7 +9679,7 @@
               </a:ln>
               <a:extLst>
                 <a:ext uri="{91240B29-F687-4f45-9708-019B960494DF}">
-                  <a14:hiddenLine xmlns:a14="http://schemas.microsoft.com/office/drawing/2010/main" xmlns="" w="9525">
+                  <a14:hiddenLine xmlns="" xmlns:a14="http://schemas.microsoft.com/office/drawing/2010/main" w="9525">
                     <a:solidFill>
                       <a:srgbClr val="000000"/>
                     </a:solidFill>
@@ -9761,7 +9769,7 @@
               </a:ln>
               <a:extLst>
                 <a:ext uri="{91240B29-F687-4f45-9708-019B960494DF}">
-                  <a14:hiddenLine xmlns:a14="http://schemas.microsoft.com/office/drawing/2010/main" xmlns="" w="9525">
+                  <a14:hiddenLine xmlns="" xmlns:a14="http://schemas.microsoft.com/office/drawing/2010/main" w="9525">
                     <a:solidFill>
                       <a:srgbClr val="000000"/>
                     </a:solidFill>
@@ -9823,7 +9831,7 @@
               </a:ln>
               <a:extLst>
                 <a:ext uri="{91240B29-F687-4f45-9708-019B960494DF}">
-                  <a14:hiddenLine xmlns:a14="http://schemas.microsoft.com/office/drawing/2010/main" xmlns="" w="9525">
+                  <a14:hiddenLine xmlns="" xmlns:a14="http://schemas.microsoft.com/office/drawing/2010/main" w="9525">
                     <a:solidFill>
                       <a:srgbClr val="000000"/>
                     </a:solidFill>
@@ -9933,7 +9941,7 @@
               </a:ln>
               <a:extLst>
                 <a:ext uri="{91240B29-F687-4f45-9708-019B960494DF}">
-                  <a14:hiddenLine xmlns:a14="http://schemas.microsoft.com/office/drawing/2010/main" xmlns="" w="9525">
+                  <a14:hiddenLine xmlns="" xmlns:a14="http://schemas.microsoft.com/office/drawing/2010/main" w="9525">
                     <a:solidFill>
                       <a:srgbClr val="000000"/>
                     </a:solidFill>
@@ -10017,7 +10025,7 @@
               </a:ln>
               <a:extLst>
                 <a:ext uri="{91240B29-F687-4f45-9708-019B960494DF}">
-                  <a14:hiddenLine xmlns:a14="http://schemas.microsoft.com/office/drawing/2010/main" xmlns="" w="9525">
+                  <a14:hiddenLine xmlns="" xmlns:a14="http://schemas.microsoft.com/office/drawing/2010/main" w="9525">
                     <a:solidFill>
                       <a:srgbClr val="000000"/>
                     </a:solidFill>
@@ -10079,7 +10087,7 @@
               </a:ln>
               <a:extLst>
                 <a:ext uri="{91240B29-F687-4f45-9708-019B960494DF}">
-                  <a14:hiddenLine xmlns:a14="http://schemas.microsoft.com/office/drawing/2010/main" xmlns="" w="9525">
+                  <a14:hiddenLine xmlns="" xmlns:a14="http://schemas.microsoft.com/office/drawing/2010/main" w="9525">
                     <a:solidFill>
                       <a:srgbClr val="000000"/>
                     </a:solidFill>
@@ -10141,7 +10149,7 @@
               </a:ln>
               <a:extLst>
                 <a:ext uri="{91240B29-F687-4f45-9708-019B960494DF}">
-                  <a14:hiddenLine xmlns:a14="http://schemas.microsoft.com/office/drawing/2010/main" xmlns="" w="9525">
+                  <a14:hiddenLine xmlns="" xmlns:a14="http://schemas.microsoft.com/office/drawing/2010/main" w="9525">
                     <a:solidFill>
                       <a:srgbClr val="000000"/>
                     </a:solidFill>
@@ -10231,7 +10239,7 @@
               </a:ln>
               <a:extLst>
                 <a:ext uri="{91240B29-F687-4f45-9708-019B960494DF}">
-                  <a14:hiddenLine xmlns:a14="http://schemas.microsoft.com/office/drawing/2010/main" xmlns="" w="9525">
+                  <a14:hiddenLine xmlns="" xmlns:a14="http://schemas.microsoft.com/office/drawing/2010/main" w="9525">
                     <a:solidFill>
                       <a:srgbClr val="000000"/>
                     </a:solidFill>
@@ -10265,7 +10273,7 @@
               </a:ln>
               <a:extLst>
                 <a:ext uri="{91240B29-F687-4f45-9708-019B960494DF}">
-                  <a14:hiddenLine xmlns:a14="http://schemas.microsoft.com/office/drawing/2010/main" xmlns="" w="9525">
+                  <a14:hiddenLine xmlns="" xmlns:a14="http://schemas.microsoft.com/office/drawing/2010/main" w="9525">
                     <a:solidFill>
                       <a:srgbClr val="000000"/>
                     </a:solidFill>
@@ -10330,7 +10338,7 @@
               </a:ln>
               <a:extLst>
                 <a:ext uri="{91240B29-F687-4f45-9708-019B960494DF}">
-                  <a14:hiddenLine xmlns:a14="http://schemas.microsoft.com/office/drawing/2010/main" xmlns="" w="9525">
+                  <a14:hiddenLine xmlns="" xmlns:a14="http://schemas.microsoft.com/office/drawing/2010/main" w="9525">
                     <a:solidFill>
                       <a:srgbClr val="000000"/>
                     </a:solidFill>
@@ -10420,7 +10428,7 @@
               </a:ln>
               <a:extLst>
                 <a:ext uri="{91240B29-F687-4f45-9708-019B960494DF}">
-                  <a14:hiddenLine xmlns:a14="http://schemas.microsoft.com/office/drawing/2010/main" xmlns="" w="9525">
+                  <a14:hiddenLine xmlns="" xmlns:a14="http://schemas.microsoft.com/office/drawing/2010/main" w="9525">
                     <a:solidFill>
                       <a:srgbClr val="000000"/>
                     </a:solidFill>
@@ -10482,7 +10490,7 @@
               </a:ln>
               <a:extLst>
                 <a:ext uri="{91240B29-F687-4f45-9708-019B960494DF}">
-                  <a14:hiddenLine xmlns:a14="http://schemas.microsoft.com/office/drawing/2010/main" xmlns="" w="9525">
+                  <a14:hiddenLine xmlns="" xmlns:a14="http://schemas.microsoft.com/office/drawing/2010/main" w="9525">
                     <a:solidFill>
                       <a:srgbClr val="000000"/>
                     </a:solidFill>
@@ -10572,7 +10580,7 @@
               </a:ln>
               <a:extLst>
                 <a:ext uri="{91240B29-F687-4f45-9708-019B960494DF}">
-                  <a14:hiddenLine xmlns:a14="http://schemas.microsoft.com/office/drawing/2010/main" xmlns="" w="9525">
+                  <a14:hiddenLine xmlns="" xmlns:a14="http://schemas.microsoft.com/office/drawing/2010/main" w="9525">
                     <a:solidFill>
                       <a:srgbClr val="000000"/>
                     </a:solidFill>
@@ -10637,7 +10645,7 @@
               </a:ln>
               <a:extLst>
                 <a:ext uri="{91240B29-F687-4f45-9708-019B960494DF}">
-                  <a14:hiddenLine xmlns:a14="http://schemas.microsoft.com/office/drawing/2010/main" xmlns="" w="9525">
+                  <a14:hiddenLine xmlns="" xmlns:a14="http://schemas.microsoft.com/office/drawing/2010/main" w="9525">
                     <a:solidFill>
                       <a:srgbClr val="000000"/>
                     </a:solidFill>
@@ -10699,7 +10707,7 @@
               </a:ln>
               <a:extLst>
                 <a:ext uri="{91240B29-F687-4f45-9708-019B960494DF}">
-                  <a14:hiddenLine xmlns:a14="http://schemas.microsoft.com/office/drawing/2010/main" xmlns="" w="9525">
+                  <a14:hiddenLine xmlns="" xmlns:a14="http://schemas.microsoft.com/office/drawing/2010/main" w="9525">
                     <a:solidFill>
                       <a:srgbClr val="000000"/>
                     </a:solidFill>
@@ -10789,7 +10797,7 @@
               </a:ln>
               <a:extLst>
                 <a:ext uri="{91240B29-F687-4f45-9708-019B960494DF}">
-                  <a14:hiddenLine xmlns:a14="http://schemas.microsoft.com/office/drawing/2010/main" xmlns="" w="9525">
+                  <a14:hiddenLine xmlns="" xmlns:a14="http://schemas.microsoft.com/office/drawing/2010/main" w="9525">
                     <a:solidFill>
                       <a:srgbClr val="000000"/>
                     </a:solidFill>
@@ -10879,7 +10887,7 @@
               </a:ln>
               <a:extLst>
                 <a:ext uri="{91240B29-F687-4f45-9708-019B960494DF}">
-                  <a14:hiddenLine xmlns:a14="http://schemas.microsoft.com/office/drawing/2010/main" xmlns="" w="9525">
+                  <a14:hiddenLine xmlns="" xmlns:a14="http://schemas.microsoft.com/office/drawing/2010/main" w="9525">
                     <a:solidFill>
                       <a:srgbClr val="000000"/>
                     </a:solidFill>
@@ -10944,7 +10952,7 @@
               </a:ln>
               <a:extLst>
                 <a:ext uri="{91240B29-F687-4f45-9708-019B960494DF}">
-                  <a14:hiddenLine xmlns:a14="http://schemas.microsoft.com/office/drawing/2010/main" xmlns="" w="9525">
+                  <a14:hiddenLine xmlns="" xmlns:a14="http://schemas.microsoft.com/office/drawing/2010/main" w="9525">
                     <a:solidFill>
                       <a:srgbClr val="000000"/>
                     </a:solidFill>
@@ -11064,7 +11072,7 @@
               </a:ln>
               <a:extLst>
                 <a:ext uri="{91240B29-F687-4f45-9708-019B960494DF}">
-                  <a14:hiddenLine xmlns:a14="http://schemas.microsoft.com/office/drawing/2010/main" xmlns="" w="9525">
+                  <a14:hiddenLine xmlns="" xmlns:a14="http://schemas.microsoft.com/office/drawing/2010/main" w="9525">
                     <a:solidFill>
                       <a:srgbClr val="000000"/>
                     </a:solidFill>
@@ -11162,7 +11170,7 @@
               </a:ln>
               <a:extLst>
                 <a:ext uri="{91240B29-F687-4f45-9708-019B960494DF}">
-                  <a14:hiddenLine xmlns:a14="http://schemas.microsoft.com/office/drawing/2010/main" xmlns="" w="9525">
+                  <a14:hiddenLine xmlns="" xmlns:a14="http://schemas.microsoft.com/office/drawing/2010/main" w="9525">
                     <a:solidFill>
                       <a:srgbClr val="000000"/>
                     </a:solidFill>
@@ -11277,7 +11285,7 @@
               </a:ln>
               <a:extLst>
                 <a:ext uri="{91240B29-F687-4f45-9708-019B960494DF}">
-                  <a14:hiddenLine xmlns:a14="http://schemas.microsoft.com/office/drawing/2010/main" xmlns="" w="9525">
+                  <a14:hiddenLine xmlns="" xmlns:a14="http://schemas.microsoft.com/office/drawing/2010/main" w="9525">
                     <a:solidFill>
                       <a:srgbClr val="000000"/>
                     </a:solidFill>
@@ -11367,7 +11375,7 @@
               </a:ln>
               <a:extLst>
                 <a:ext uri="{91240B29-F687-4f45-9708-019B960494DF}">
-                  <a14:hiddenLine xmlns:a14="http://schemas.microsoft.com/office/drawing/2010/main" xmlns="" w="9525">
+                  <a14:hiddenLine xmlns="" xmlns:a14="http://schemas.microsoft.com/office/drawing/2010/main" w="9525">
                     <a:solidFill>
                       <a:srgbClr val="000000"/>
                     </a:solidFill>
@@ -11432,7 +11440,7 @@
               </a:ln>
               <a:extLst>
                 <a:ext uri="{91240B29-F687-4f45-9708-019B960494DF}">
-                  <a14:hiddenLine xmlns:a14="http://schemas.microsoft.com/office/drawing/2010/main" xmlns="" w="9525">
+                  <a14:hiddenLine xmlns="" xmlns:a14="http://schemas.microsoft.com/office/drawing/2010/main" w="9525">
                     <a:solidFill>
                       <a:srgbClr val="000000"/>
                     </a:solidFill>
@@ -11522,7 +11530,7 @@
               </a:ln>
               <a:extLst>
                 <a:ext uri="{91240B29-F687-4f45-9708-019B960494DF}">
-                  <a14:hiddenLine xmlns:a14="http://schemas.microsoft.com/office/drawing/2010/main" xmlns="" w="9525">
+                  <a14:hiddenLine xmlns="" xmlns:a14="http://schemas.microsoft.com/office/drawing/2010/main" w="9525">
                     <a:solidFill>
                       <a:srgbClr val="000000"/>
                     </a:solidFill>
@@ -11590,7 +11598,7 @@
               </a:ln>
               <a:extLst>
                 <a:ext uri="{91240B29-F687-4f45-9708-019B960494DF}">
-                  <a14:hiddenLine xmlns:a14="http://schemas.microsoft.com/office/drawing/2010/main" xmlns="" w="9525">
+                  <a14:hiddenLine xmlns="" xmlns:a14="http://schemas.microsoft.com/office/drawing/2010/main" w="9525">
                     <a:solidFill>
                       <a:srgbClr val="000000"/>
                     </a:solidFill>
@@ -11680,7 +11688,7 @@
               </a:ln>
               <a:extLst>
                 <a:ext uri="{91240B29-F687-4f45-9708-019B960494DF}">
-                  <a14:hiddenLine xmlns:a14="http://schemas.microsoft.com/office/drawing/2010/main" xmlns="" w="9525">
+                  <a14:hiddenLine xmlns="" xmlns:a14="http://schemas.microsoft.com/office/drawing/2010/main" w="9525">
                     <a:solidFill>
                       <a:srgbClr val="000000"/>
                     </a:solidFill>
@@ -11748,7 +11756,7 @@
               </a:ln>
               <a:extLst>
                 <a:ext uri="{91240B29-F687-4f45-9708-019B960494DF}">
-                  <a14:hiddenLine xmlns:a14="http://schemas.microsoft.com/office/drawing/2010/main" xmlns="" w="9525">
+                  <a14:hiddenLine xmlns="" xmlns:a14="http://schemas.microsoft.com/office/drawing/2010/main" w="9525">
                     <a:solidFill>
                       <a:srgbClr val="000000"/>
                     </a:solidFill>
@@ -11838,7 +11846,7 @@
               </a:ln>
               <a:extLst>
                 <a:ext uri="{91240B29-F687-4f45-9708-019B960494DF}">
-                  <a14:hiddenLine xmlns:a14="http://schemas.microsoft.com/office/drawing/2010/main" xmlns="" w="9525">
+                  <a14:hiddenLine xmlns="" xmlns:a14="http://schemas.microsoft.com/office/drawing/2010/main" w="9525">
                     <a:solidFill>
                       <a:srgbClr val="000000"/>
                     </a:solidFill>
@@ -11872,7 +11880,7 @@
               </a:ln>
               <a:extLst>
                 <a:ext uri="{91240B29-F687-4f45-9708-019B960494DF}">
-                  <a14:hiddenLine xmlns:a14="http://schemas.microsoft.com/office/drawing/2010/main" xmlns="" w="9525">
+                  <a14:hiddenLine xmlns="" xmlns:a14="http://schemas.microsoft.com/office/drawing/2010/main" w="9525">
                     <a:solidFill>
                       <a:srgbClr val="000000"/>
                     </a:solidFill>
@@ -12480,7 +12488,7 @@
         <p:spPr>
           <a:xfrm>
             <a:off x="2206208" y="4694739"/>
-            <a:ext cx="3756836" cy="707886"/>
+            <a:ext cx="4537492" cy="400110"/>
           </a:xfrm>
           <a:prstGeom prst="rect">
             <a:avLst/>
@@ -12642,7 +12650,7 @@
               <a:t>1- Caso: </a:t>
             </a:r>
             <a:r>
-              <a:rPr lang="en-US" dirty="0" err="1"/>
+              <a:rPr lang="es-CO" dirty="0"/>
               <a:t>veterinaria</a:t>
             </a:r>
             <a:r>
@@ -12676,11 +12684,35 @@
           <a:p>
             <a:r>
               <a:rPr lang="en-US" dirty="0"/>
-              <a:t>El </a:t>
-            </a:r>
-            <a:r>
-              <a:rPr lang="en-US" dirty="0" err="1"/>
-              <a:t>caso</a:t>
+              <a:t>El Caso </a:t>
+            </a:r>
+            <a:r>
+              <a:rPr lang="es-CL" dirty="0"/>
+              <a:t>escogido</a:t>
+            </a:r>
+            <a:r>
+              <a:rPr lang="en-US" dirty="0"/>
+              <a:t> fue la </a:t>
+            </a:r>
+            <a:r>
+              <a:rPr lang="es-CL" dirty="0"/>
+              <a:t>resolución</a:t>
+            </a:r>
+            <a:r>
+              <a:rPr lang="en-US" dirty="0"/>
+              <a:t> de </a:t>
+            </a:r>
+            <a:r>
+              <a:rPr lang="es-CL" dirty="0"/>
+              <a:t>problemas</a:t>
+            </a:r>
+            <a:r>
+              <a:rPr lang="en-US" dirty="0"/>
+              <a:t> del caso “peludos” </a:t>
+            </a:r>
+            <a:r>
+              <a:rPr lang="es-CL" dirty="0"/>
+              <a:t>una</a:t>
             </a:r>
             <a:r>
               <a:rPr lang="en-US" dirty="0"/>
@@ -12688,7 +12720,15 @@
             </a:r>
             <a:r>
               <a:rPr lang="en-US" dirty="0" err="1"/>
-              <a:t>escogido</a:t>
+              <a:t>veterinaria</a:t>
+            </a:r>
+            <a:r>
+              <a:rPr lang="en-US" dirty="0"/>
+              <a:t> sin </a:t>
+            </a:r>
+            <a:r>
+              <a:rPr lang="en-US" dirty="0" err="1"/>
+              <a:t>plataformas</a:t>
             </a:r>
             <a:r>
               <a:rPr lang="en-US" dirty="0"/>
@@ -12696,15 +12736,31 @@
             </a:r>
             <a:r>
               <a:rPr lang="en-US" dirty="0" err="1"/>
-              <a:t>fue</a:t>
+              <a:t>digitales</a:t>
             </a:r>
             <a:r>
               <a:rPr lang="en-US" dirty="0"/>
-              <a:t> la </a:t>
+              <a:t>, la </a:t>
             </a:r>
             <a:r>
               <a:rPr lang="en-US" dirty="0" err="1"/>
-              <a:t>solucion</a:t>
+              <a:t>cual</a:t>
+            </a:r>
+            <a:r>
+              <a:rPr lang="en-US" dirty="0"/>
+              <a:t> </a:t>
+            </a:r>
+            <a:r>
+              <a:rPr lang="en-US" dirty="0" err="1"/>
+              <a:t>busca</a:t>
+            </a:r>
+            <a:r>
+              <a:rPr lang="en-US" dirty="0"/>
+              <a:t> a traves de la </a:t>
+            </a:r>
+            <a:r>
+              <a:rPr lang="en-US" dirty="0" err="1"/>
+              <a:t>creacion</a:t>
             </a:r>
             <a:r>
               <a:rPr lang="en-US" dirty="0"/>
@@ -12712,19 +12768,19 @@
             </a:r>
             <a:r>
               <a:rPr lang="en-US" dirty="0" err="1"/>
-              <a:t>problemas</a:t>
+              <a:t>este</a:t>
             </a:r>
             <a:r>
               <a:rPr lang="en-US" dirty="0"/>
-              <a:t> del </a:t>
+              <a:t> medio </a:t>
             </a:r>
             <a:r>
               <a:rPr lang="en-US" dirty="0" err="1"/>
-              <a:t>caso</a:t>
+              <a:t>alcanzar</a:t>
             </a:r>
             <a:r>
               <a:rPr lang="en-US" dirty="0"/>
-              <a:t> “peludos” </a:t>
+              <a:t> de </a:t>
             </a:r>
             <a:r>
               <a:rPr lang="en-US" dirty="0" err="1"/>
@@ -12736,15 +12792,7 @@
             </a:r>
             <a:r>
               <a:rPr lang="en-US" dirty="0" err="1"/>
-              <a:t>veterinaria</a:t>
-            </a:r>
-            <a:r>
-              <a:rPr lang="en-US" dirty="0"/>
-              <a:t> sin </a:t>
-            </a:r>
-            <a:r>
-              <a:rPr lang="en-US" dirty="0" err="1"/>
-              <a:t>plataformas</a:t>
+              <a:t>manera</a:t>
             </a:r>
             <a:r>
               <a:rPr lang="en-US" dirty="0"/>
@@ -12752,15 +12800,7 @@
             </a:r>
             <a:r>
               <a:rPr lang="en-US" dirty="0" err="1"/>
-              <a:t>digitales</a:t>
-            </a:r>
-            <a:r>
-              <a:rPr lang="en-US" dirty="0"/>
-              <a:t>, la </a:t>
-            </a:r>
-            <a:r>
-              <a:rPr lang="en-US" dirty="0" err="1"/>
-              <a:t>cual</a:t>
+              <a:t>facil</a:t>
             </a:r>
             <a:r>
               <a:rPr lang="en-US" dirty="0"/>
@@ -12768,31 +12808,7 @@
             </a:r>
             <a:r>
               <a:rPr lang="en-US" dirty="0" err="1"/>
-              <a:t>busca</a:t>
-            </a:r>
-            <a:r>
-              <a:rPr lang="en-US" dirty="0"/>
-              <a:t> a traves de la </a:t>
-            </a:r>
-            <a:r>
-              <a:rPr lang="en-US" dirty="0" err="1"/>
-              <a:t>creacion</a:t>
-            </a:r>
-            <a:r>
-              <a:rPr lang="en-US" dirty="0"/>
-              <a:t> de </a:t>
-            </a:r>
-            <a:r>
-              <a:rPr lang="en-US" dirty="0" err="1"/>
-              <a:t>este</a:t>
-            </a:r>
-            <a:r>
-              <a:rPr lang="en-US" dirty="0"/>
-              <a:t> medio </a:t>
-            </a:r>
-            <a:r>
-              <a:rPr lang="en-US" dirty="0" err="1"/>
-              <a:t>alcanzar</a:t>
+              <a:t>el</a:t>
             </a:r>
             <a:r>
               <a:rPr lang="en-US" dirty="0"/>
@@ -12800,7 +12816,55 @@
             </a:r>
             <a:r>
               <a:rPr lang="en-US" dirty="0" err="1"/>
-              <a:t>una</a:t>
+              <a:t>contacto</a:t>
+            </a:r>
+            <a:r>
+              <a:rPr lang="en-US" dirty="0"/>
+              <a:t> con sus </a:t>
+            </a:r>
+            <a:r>
+              <a:rPr lang="en-US" dirty="0" err="1"/>
+              <a:t>clientes</a:t>
+            </a:r>
+            <a:r>
+              <a:rPr lang="en-US" dirty="0"/>
+              <a:t>, </a:t>
+            </a:r>
+            <a:r>
+              <a:rPr lang="en-US" dirty="0" err="1"/>
+              <a:t>como</a:t>
+            </a:r>
+            <a:r>
+              <a:rPr lang="en-US" dirty="0"/>
+              <a:t> a la </a:t>
+            </a:r>
+            <a:r>
+              <a:rPr lang="en-US" dirty="0" err="1"/>
+              <a:t>vez</a:t>
+            </a:r>
+            <a:r>
+              <a:rPr lang="en-US" dirty="0"/>
+              <a:t> la gestion de </a:t>
+            </a:r>
+            <a:r>
+              <a:rPr lang="en-US" dirty="0" err="1"/>
+              <a:t>citas</a:t>
+            </a:r>
+            <a:r>
+              <a:rPr lang="en-US" dirty="0"/>
+              <a:t> para </a:t>
+            </a:r>
+            <a:r>
+              <a:rPr lang="en-US" dirty="0" err="1"/>
+              <a:t>mascotas</a:t>
+            </a:r>
+            <a:r>
+              <a:rPr lang="en-US" dirty="0"/>
+              <a:t> para </a:t>
+            </a:r>
+            <a:r>
+              <a:rPr lang="en-US" dirty="0" err="1"/>
+              <a:t>su</a:t>
             </a:r>
             <a:r>
               <a:rPr lang="en-US" dirty="0"/>
@@ -12808,7 +12872,93 @@
             </a:r>
             <a:r>
               <a:rPr lang="en-US" dirty="0" err="1"/>
+              <a:t>atencion</a:t>
+            </a:r>
+            <a:r>
+              <a:rPr lang="en-US" dirty="0"/>
+              <a:t> posterior.</a:t>
+            </a:r>
+          </a:p>
+          <a:p>
+            <a:r>
+              <a:rPr lang="en-US" dirty="0"/>
+              <a:t>De </a:t>
+            </a:r>
+            <a:r>
+              <a:rPr lang="en-US" dirty="0" err="1"/>
+              <a:t>igual</a:t>
+            </a:r>
+            <a:r>
+              <a:rPr lang="en-US" dirty="0"/>
+              <a:t> </a:t>
+            </a:r>
+            <a:r>
+              <a:rPr lang="en-US" dirty="0" err="1"/>
               <a:t>manera</a:t>
+            </a:r>
+            <a:r>
+              <a:rPr lang="en-US" dirty="0"/>
+              <a:t> </a:t>
+            </a:r>
+            <a:r>
+              <a:rPr lang="en-US" dirty="0" err="1"/>
+              <a:t>esta</a:t>
+            </a:r>
+            <a:r>
+              <a:rPr lang="en-US" dirty="0"/>
+              <a:t> </a:t>
+            </a:r>
+            <a:r>
+              <a:rPr lang="en-US" dirty="0" err="1"/>
+              <a:t>pagina</a:t>
+            </a:r>
+            <a:r>
+              <a:rPr lang="en-US" dirty="0"/>
+              <a:t> </a:t>
+            </a:r>
+            <a:r>
+              <a:rPr lang="en-US" dirty="0" err="1"/>
+              <a:t>servira</a:t>
+            </a:r>
+            <a:r>
+              <a:rPr lang="en-US" dirty="0"/>
+              <a:t> para </a:t>
+            </a:r>
+            <a:r>
+              <a:rPr lang="en-US" dirty="0" err="1"/>
+              <a:t>para</a:t>
+            </a:r>
+            <a:r>
+              <a:rPr lang="en-US" dirty="0"/>
+              <a:t> </a:t>
+            </a:r>
+            <a:r>
+              <a:rPr lang="en-US" dirty="0" err="1"/>
+              <a:t>aumentar</a:t>
+            </a:r>
+            <a:r>
+              <a:rPr lang="en-US" dirty="0"/>
+              <a:t> </a:t>
+            </a:r>
+            <a:r>
+              <a:rPr lang="en-US" dirty="0" err="1"/>
+              <a:t>su</a:t>
+            </a:r>
+            <a:r>
+              <a:rPr lang="en-US" dirty="0"/>
+              <a:t> </a:t>
+            </a:r>
+            <a:r>
+              <a:rPr lang="en-US" dirty="0" err="1"/>
+              <a:t>alcance</a:t>
+            </a:r>
+            <a:r>
+              <a:rPr lang="en-US" dirty="0"/>
+              <a:t> y </a:t>
+            </a:r>
+            <a:r>
+              <a:rPr lang="en-US" dirty="0" err="1"/>
+              <a:t>generar</a:t>
             </a:r>
             <a:r>
               <a:rPr lang="en-US" dirty="0"/>
@@ -12816,79 +12966,11 @@
             </a:r>
             <a:r>
               <a:rPr lang="en-US" dirty="0" err="1"/>
-              <a:t>facil</a:t>
+              <a:t>confianza</a:t>
             </a:r>
             <a:r>
               <a:rPr lang="en-US" dirty="0"/>
-              <a:t> de </a:t>
-            </a:r>
-            <a:r>
-              <a:rPr lang="en-US" dirty="0" err="1"/>
-              <a:t>contacto</a:t>
-            </a:r>
-            <a:r>
-              <a:rPr lang="en-US" dirty="0"/>
-              <a:t>, </a:t>
-            </a:r>
-            <a:r>
-              <a:rPr lang="en-US" dirty="0" err="1"/>
-              <a:t>como</a:t>
-            </a:r>
-            <a:r>
-              <a:rPr lang="en-US" dirty="0"/>
-              <a:t> a la </a:t>
-            </a:r>
-            <a:r>
-              <a:rPr lang="en-US" dirty="0" err="1"/>
-              <a:t>vez</a:t>
-            </a:r>
-            <a:r>
-              <a:rPr lang="en-US" dirty="0"/>
-              <a:t> la gestion de </a:t>
-            </a:r>
-            <a:r>
-              <a:rPr lang="en-US" dirty="0" err="1"/>
-              <a:t>citas</a:t>
-            </a:r>
-            <a:r>
-              <a:rPr lang="en-US" dirty="0"/>
-              <a:t> y </a:t>
-            </a:r>
-            <a:r>
-              <a:rPr lang="en-US" dirty="0" err="1"/>
-              <a:t>mascotas</a:t>
-            </a:r>
-            <a:r>
-              <a:rPr lang="en-US" dirty="0"/>
-              <a:t> para </a:t>
-            </a:r>
-            <a:r>
-              <a:rPr lang="en-US" dirty="0" err="1"/>
-              <a:t>su</a:t>
-            </a:r>
-            <a:r>
-              <a:rPr lang="en-US" dirty="0"/>
-              <a:t> </a:t>
-            </a:r>
-            <a:r>
-              <a:rPr lang="en-US" dirty="0" err="1"/>
-              <a:t>futuro</a:t>
-            </a:r>
-            <a:r>
-              <a:rPr lang="en-US" dirty="0"/>
-              <a:t> </a:t>
-            </a:r>
-            <a:r>
-              <a:rPr lang="en-US" dirty="0" err="1"/>
-              <a:t>uso</a:t>
-            </a:r>
-            <a:r>
-              <a:rPr lang="en-US" dirty="0"/>
-              <a:t> de </a:t>
-            </a:r>
-            <a:r>
-              <a:rPr lang="en-US" dirty="0" err="1"/>
-              <a:t>datos</a:t>
+              <a:t> a sus clients.</a:t>
             </a:r>
             <a:endParaRPr lang="es-CL" dirty="0"/>
           </a:p>
@@ -12898,6 +12980,601 @@
     <p:extLst>
       <p:ext uri="{BB962C8B-B14F-4D97-AF65-F5344CB8AC3E}">
         <p14:creationId xmlns:p14="http://schemas.microsoft.com/office/powerpoint/2010/main" val="3307938244"/>
+      </p:ext>
+    </p:extLst>
+  </p:cSld>
+  <p:clrMapOvr>
+    <a:masterClrMapping/>
+  </p:clrMapOvr>
+</p:sld>
+</file>
+
+<file path=ppt/slides/slide3.xml><?xml version="1.0" encoding="utf-8"?>
+<p:sld xmlns:a="http://schemas.openxmlformats.org/drawingml/2006/main" xmlns:r="http://schemas.openxmlformats.org/officeDocument/2006/relationships" xmlns:p="http://schemas.openxmlformats.org/presentationml/2006/main">
+  <p:cSld>
+    <p:spTree>
+      <p:nvGrpSpPr>
+        <p:cNvPr id="1" name=""/>
+        <p:cNvGrpSpPr/>
+        <p:nvPr/>
+      </p:nvGrpSpPr>
+      <p:grpSpPr>
+        <a:xfrm>
+          <a:off x="0" y="0"/>
+          <a:ext cx="0" cy="0"/>
+          <a:chOff x="0" y="0"/>
+          <a:chExt cx="0" cy="0"/>
+        </a:xfrm>
+      </p:grpSpPr>
+      <p:sp>
+        <p:nvSpPr>
+          <p:cNvPr id="2" name="Título 1">
+            <a:extLst>
+              <a:ext uri="{FF2B5EF4-FFF2-40B4-BE49-F238E27FC236}">
+                <a16:creationId xmlns:a16="http://schemas.microsoft.com/office/drawing/2014/main" id="{B3BCD167-3319-26FA-4F2E-46FC8EFE3223}"/>
+              </a:ext>
+            </a:extLst>
+          </p:cNvPr>
+          <p:cNvSpPr>
+            <a:spLocks noGrp="1"/>
+          </p:cNvSpPr>
+          <p:nvPr>
+            <p:ph type="title"/>
+          </p:nvPr>
+        </p:nvSpPr>
+        <p:spPr/>
+        <p:txBody>
+          <a:bodyPr/>
+          <a:lstStyle/>
+          <a:p>
+            <a:r>
+              <a:rPr lang="es-CL" dirty="0"/>
+              <a:t>Principales características</a:t>
+            </a:r>
+          </a:p>
+        </p:txBody>
+      </p:sp>
+      <p:sp>
+        <p:nvSpPr>
+          <p:cNvPr id="3" name="Marcador de contenido 2">
+            <a:extLst>
+              <a:ext uri="{FF2B5EF4-FFF2-40B4-BE49-F238E27FC236}">
+                <a16:creationId xmlns:a16="http://schemas.microsoft.com/office/drawing/2014/main" id="{48DB14AC-430D-F092-C056-CBA998E93FBC}"/>
+              </a:ext>
+            </a:extLst>
+          </p:cNvPr>
+          <p:cNvSpPr>
+            <a:spLocks noGrp="1"/>
+          </p:cNvSpPr>
+          <p:nvPr>
+            <p:ph idx="1"/>
+          </p:nvPr>
+        </p:nvSpPr>
+        <p:spPr>
+          <a:xfrm>
+            <a:off x="357641" y="757638"/>
+            <a:ext cx="477838" cy="1200329"/>
+          </a:xfrm>
+        </p:spPr>
+        <p:txBody>
+          <a:bodyPr>
+            <a:noAutofit/>
+          </a:bodyPr>
+          <a:lstStyle/>
+          <a:p>
+            <a:endParaRPr lang="en-US" sz="1050" dirty="0"/>
+          </a:p>
+          <a:p>
+            <a:pPr marL="0" indent="0">
+              <a:buNone/>
+            </a:pPr>
+            <a:endParaRPr lang="en-US" sz="1050" dirty="0"/>
+          </a:p>
+        </p:txBody>
+      </p:sp>
+      <p:sp>
+        <p:nvSpPr>
+          <p:cNvPr id="6" name="CuadroTexto 5">
+            <a:extLst>
+              <a:ext uri="{FF2B5EF4-FFF2-40B4-BE49-F238E27FC236}">
+                <a16:creationId xmlns:a16="http://schemas.microsoft.com/office/drawing/2014/main" id="{DF7ECFAB-0A8D-0480-B426-D7A88B932310}"/>
+              </a:ext>
+            </a:extLst>
+          </p:cNvPr>
+          <p:cNvSpPr txBox="1"/>
+          <p:nvPr/>
+        </p:nvSpPr>
+        <p:spPr>
+          <a:xfrm>
+            <a:off x="1204232" y="4514850"/>
+            <a:ext cx="6168118" cy="1200329"/>
+          </a:xfrm>
+          <a:prstGeom prst="rect">
+            <a:avLst/>
+          </a:prstGeom>
+          <a:noFill/>
+        </p:spPr>
+        <p:txBody>
+          <a:bodyPr wrap="square">
+            <a:spAutoFit/>
+          </a:bodyPr>
+          <a:lstStyle/>
+          <a:p>
+            <a:r>
+              <a:rPr lang="en-US" sz="1800" dirty="0" err="1"/>
+              <a:t>Caracteristicas</a:t>
+            </a:r>
+            <a:r>
+              <a:rPr lang="en-US" sz="1800" dirty="0"/>
+              <a:t> </a:t>
+            </a:r>
+            <a:r>
+              <a:rPr lang="en-US" sz="1800" dirty="0" err="1"/>
+              <a:t>Tecnicas</a:t>
+            </a:r>
+            <a:r>
+              <a:rPr lang="en-US" sz="1800" dirty="0"/>
+              <a:t>:</a:t>
+            </a:r>
+          </a:p>
+          <a:p>
+            <a:r>
+              <a:rPr lang="en-US" sz="1800" dirty="0"/>
+              <a:t>-Desarrollo </a:t>
+            </a:r>
+            <a:r>
+              <a:rPr lang="en-US" sz="1800" dirty="0" err="1"/>
+              <a:t>en</a:t>
+            </a:r>
+            <a:r>
+              <a:rPr lang="en-US" sz="1800" dirty="0"/>
+              <a:t> la Plataforma </a:t>
+            </a:r>
+            <a:r>
+              <a:rPr lang="en-US" sz="1800" dirty="0" err="1"/>
+              <a:t>Github</a:t>
+            </a:r>
+            <a:endParaRPr lang="en-US" sz="1800" dirty="0"/>
+          </a:p>
+          <a:p>
+            <a:r>
+              <a:rPr lang="en-US" sz="1800" dirty="0"/>
+              <a:t>-</a:t>
+            </a:r>
+            <a:r>
+              <a:rPr lang="en-US" sz="1800" dirty="0" err="1"/>
+              <a:t>Creacion</a:t>
+            </a:r>
+            <a:r>
+              <a:rPr lang="en-US" sz="1800" dirty="0"/>
+              <a:t> de </a:t>
+            </a:r>
+            <a:r>
+              <a:rPr lang="en-US" sz="1800" dirty="0" err="1"/>
+              <a:t>pagina</a:t>
+            </a:r>
+            <a:r>
+              <a:rPr lang="en-US" sz="1800" dirty="0"/>
+              <a:t> </a:t>
+            </a:r>
+            <a:r>
+              <a:rPr lang="en-US" sz="1800" dirty="0" err="1"/>
+              <a:t>en</a:t>
+            </a:r>
+            <a:r>
+              <a:rPr lang="en-US" sz="1800" dirty="0"/>
+              <a:t> las templates de framework Django</a:t>
+            </a:r>
+          </a:p>
+          <a:p>
+            <a:r>
+              <a:rPr lang="en-US" sz="1800" dirty="0"/>
+              <a:t>-</a:t>
+            </a:r>
+            <a:r>
+              <a:rPr lang="en-US" sz="1800" dirty="0" err="1"/>
+              <a:t>Creacion</a:t>
+            </a:r>
+            <a:r>
+              <a:rPr lang="en-US" sz="1800" dirty="0"/>
+              <a:t> de la base de </a:t>
+            </a:r>
+            <a:r>
+              <a:rPr lang="en-US" sz="1800" dirty="0" err="1"/>
+              <a:t>datos</a:t>
+            </a:r>
+            <a:r>
+              <a:rPr lang="en-US" sz="1800" dirty="0"/>
+              <a:t> </a:t>
+            </a:r>
+            <a:r>
+              <a:rPr lang="en-US" sz="1800" dirty="0" err="1"/>
+              <a:t>en</a:t>
+            </a:r>
+            <a:r>
+              <a:rPr lang="en-US" sz="1800" dirty="0"/>
+              <a:t> Oracle </a:t>
+            </a:r>
+            <a:r>
+              <a:rPr lang="en-US" sz="1800" dirty="0" err="1"/>
+              <a:t>conectada</a:t>
+            </a:r>
+            <a:r>
+              <a:rPr lang="en-US" sz="1800" dirty="0"/>
+              <a:t> con Django	</a:t>
+            </a:r>
+          </a:p>
+        </p:txBody>
+      </p:sp>
+      <p:sp>
+        <p:nvSpPr>
+          <p:cNvPr id="7" name="CuadroTexto 6">
+            <a:extLst>
+              <a:ext uri="{FF2B5EF4-FFF2-40B4-BE49-F238E27FC236}">
+                <a16:creationId xmlns:a16="http://schemas.microsoft.com/office/drawing/2014/main" id="{30C0C574-ABD9-80B6-613A-A4C430153C5D}"/>
+              </a:ext>
+            </a:extLst>
+          </p:cNvPr>
+          <p:cNvSpPr txBox="1"/>
+          <p:nvPr/>
+        </p:nvSpPr>
+        <p:spPr>
+          <a:xfrm>
+            <a:off x="7021286" y="1957967"/>
+            <a:ext cx="3584121" cy="1477328"/>
+          </a:xfrm>
+          <a:prstGeom prst="rect">
+            <a:avLst/>
+          </a:prstGeom>
+          <a:noFill/>
+        </p:spPr>
+        <p:txBody>
+          <a:bodyPr wrap="square" rtlCol="0">
+            <a:spAutoFit/>
+          </a:bodyPr>
+          <a:lstStyle/>
+          <a:p>
+            <a:r>
+              <a:rPr lang="en-US" sz="1800" dirty="0" err="1"/>
+              <a:t>Funcionalidades</a:t>
+            </a:r>
+            <a:r>
+              <a:rPr lang="en-US" sz="1800" dirty="0"/>
+              <a:t>:</a:t>
+            </a:r>
+          </a:p>
+          <a:p>
+            <a:r>
+              <a:rPr lang="en-US" sz="1800" dirty="0"/>
+              <a:t>-Barra de </a:t>
+            </a:r>
+            <a:r>
+              <a:rPr lang="en-US" sz="1800" dirty="0" err="1"/>
+              <a:t>navegacion</a:t>
+            </a:r>
+            <a:endParaRPr lang="en-US" sz="1800" dirty="0"/>
+          </a:p>
+          <a:p>
+            <a:r>
+              <a:rPr lang="en-US" sz="1800" dirty="0"/>
+              <a:t>-</a:t>
+            </a:r>
+            <a:r>
+              <a:rPr lang="en-US" sz="1800" dirty="0" err="1"/>
+              <a:t>Informacion</a:t>
+            </a:r>
+            <a:r>
+              <a:rPr lang="en-US" sz="1800" dirty="0"/>
+              <a:t> de la </a:t>
+            </a:r>
+            <a:r>
+              <a:rPr lang="en-US" sz="1800" dirty="0" err="1"/>
+              <a:t>empresa</a:t>
+            </a:r>
+            <a:endParaRPr lang="en-US" sz="1800" dirty="0"/>
+          </a:p>
+          <a:p>
+            <a:r>
+              <a:rPr lang="en-US" sz="1800" dirty="0"/>
+              <a:t>-</a:t>
+            </a:r>
+            <a:r>
+              <a:rPr lang="en-US" sz="1800" dirty="0" err="1"/>
+              <a:t>Contacto</a:t>
+            </a:r>
+            <a:endParaRPr lang="en-US" sz="1800" dirty="0"/>
+          </a:p>
+          <a:p>
+            <a:r>
+              <a:rPr lang="en-US" sz="1800" dirty="0"/>
+              <a:t>-</a:t>
+            </a:r>
+            <a:r>
+              <a:rPr lang="en-US" sz="1800" dirty="0" err="1"/>
+              <a:t>Formularios</a:t>
+            </a:r>
+            <a:endParaRPr lang="en-US" sz="1800" dirty="0"/>
+          </a:p>
+        </p:txBody>
+      </p:sp>
+      <p:sp>
+        <p:nvSpPr>
+          <p:cNvPr id="12" name="CuadroTexto 11">
+            <a:extLst>
+              <a:ext uri="{FF2B5EF4-FFF2-40B4-BE49-F238E27FC236}">
+                <a16:creationId xmlns:a16="http://schemas.microsoft.com/office/drawing/2014/main" id="{602B0380-EB2F-7169-8524-0B9BAE64FD19}"/>
+              </a:ext>
+            </a:extLst>
+          </p:cNvPr>
+          <p:cNvSpPr txBox="1"/>
+          <p:nvPr/>
+        </p:nvSpPr>
+        <p:spPr>
+          <a:xfrm>
+            <a:off x="1204232" y="1957967"/>
+            <a:ext cx="5208815" cy="2308324"/>
+          </a:xfrm>
+          <a:prstGeom prst="rect">
+            <a:avLst/>
+          </a:prstGeom>
+          <a:noFill/>
+        </p:spPr>
+        <p:txBody>
+          <a:bodyPr wrap="square" rtlCol="0">
+            <a:spAutoFit/>
+          </a:bodyPr>
+          <a:lstStyle/>
+          <a:p>
+            <a:r>
+              <a:rPr lang="es-CL" sz="1800" dirty="0"/>
+              <a:t>El proyecto cuenta con diferentes características y funciones algunas de estas son:</a:t>
+            </a:r>
+          </a:p>
+          <a:p>
+            <a:endParaRPr lang="es-CL" sz="1800" dirty="0"/>
+          </a:p>
+          <a:p>
+            <a:endParaRPr lang="es-CL" sz="1800" dirty="0"/>
+          </a:p>
+          <a:p>
+            <a:r>
+              <a:rPr lang="es-CL" sz="1800" dirty="0"/>
+              <a:t>Características</a:t>
+            </a:r>
+            <a:r>
+              <a:rPr lang="en-US" sz="1800" dirty="0"/>
+              <a:t>:</a:t>
+            </a:r>
+          </a:p>
+          <a:p>
+            <a:r>
+              <a:rPr lang="en-US" sz="1800" dirty="0"/>
+              <a:t>- Desarrollo del Proyecto </a:t>
+            </a:r>
+            <a:r>
+              <a:rPr lang="en-US" sz="1800" dirty="0" err="1"/>
+              <a:t>en</a:t>
+            </a:r>
+            <a:r>
+              <a:rPr lang="en-US" sz="1800" dirty="0"/>
+              <a:t> Trello junto con la </a:t>
+            </a:r>
+            <a:r>
+              <a:rPr lang="en-US" sz="1800" dirty="0" err="1"/>
+              <a:t>metodologia</a:t>
+            </a:r>
+            <a:r>
+              <a:rPr lang="en-US" sz="1800" dirty="0"/>
+              <a:t> Kanban</a:t>
+            </a:r>
+          </a:p>
+          <a:p>
+            <a:endParaRPr lang="es-CL" dirty="0"/>
+          </a:p>
+        </p:txBody>
+      </p:sp>
+    </p:spTree>
+    <p:extLst>
+      <p:ext uri="{BB962C8B-B14F-4D97-AF65-F5344CB8AC3E}">
+        <p14:creationId xmlns:p14="http://schemas.microsoft.com/office/powerpoint/2010/main" val="3510412324"/>
+      </p:ext>
+    </p:extLst>
+  </p:cSld>
+  <p:clrMapOvr>
+    <a:masterClrMapping/>
+  </p:clrMapOvr>
+</p:sld>
+</file>
+
+<file path=ppt/slides/slide4.xml><?xml version="1.0" encoding="utf-8"?>
+<p:sld xmlns:a="http://schemas.openxmlformats.org/drawingml/2006/main" xmlns:r="http://schemas.openxmlformats.org/officeDocument/2006/relationships" xmlns:p="http://schemas.openxmlformats.org/presentationml/2006/main">
+  <p:cSld>
+    <p:spTree>
+      <p:nvGrpSpPr>
+        <p:cNvPr id="1" name=""/>
+        <p:cNvGrpSpPr/>
+        <p:nvPr/>
+      </p:nvGrpSpPr>
+      <p:grpSpPr>
+        <a:xfrm>
+          <a:off x="0" y="0"/>
+          <a:ext cx="0" cy="0"/>
+          <a:chOff x="0" y="0"/>
+          <a:chExt cx="0" cy="0"/>
+        </a:xfrm>
+      </p:grpSpPr>
+      <p:sp>
+        <p:nvSpPr>
+          <p:cNvPr id="2" name="Título 1">
+            <a:extLst>
+              <a:ext uri="{FF2B5EF4-FFF2-40B4-BE49-F238E27FC236}">
+                <a16:creationId xmlns:a16="http://schemas.microsoft.com/office/drawing/2014/main" id="{3B134E6E-11E7-01E1-39B2-5F1C3809F2A6}"/>
+              </a:ext>
+            </a:extLst>
+          </p:cNvPr>
+          <p:cNvSpPr>
+            <a:spLocks noGrp="1"/>
+          </p:cNvSpPr>
+          <p:nvPr>
+            <p:ph type="title"/>
+          </p:nvPr>
+        </p:nvSpPr>
+        <p:spPr/>
+        <p:txBody>
+          <a:bodyPr/>
+          <a:lstStyle/>
+          <a:p>
+            <a:r>
+              <a:rPr lang="es-CL" dirty="0"/>
+              <a:t> Links</a:t>
+            </a:r>
+          </a:p>
+        </p:txBody>
+      </p:sp>
+      <p:sp>
+        <p:nvSpPr>
+          <p:cNvPr id="3" name="Marcador de contenido 2">
+            <a:extLst>
+              <a:ext uri="{FF2B5EF4-FFF2-40B4-BE49-F238E27FC236}">
+                <a16:creationId xmlns:a16="http://schemas.microsoft.com/office/drawing/2014/main" id="{252C6B84-A312-930C-DF3E-63EFBD054AE9}"/>
+              </a:ext>
+            </a:extLst>
+          </p:cNvPr>
+          <p:cNvSpPr>
+            <a:spLocks noGrp="1"/>
+          </p:cNvSpPr>
+          <p:nvPr>
+            <p:ph idx="1"/>
+          </p:nvPr>
+        </p:nvSpPr>
+        <p:spPr/>
+        <p:txBody>
+          <a:bodyPr/>
+          <a:lstStyle/>
+          <a:p>
+            <a:r>
+              <a:rPr lang="es-CL" dirty="0"/>
+              <a:t>Link </a:t>
+            </a:r>
+            <a:r>
+              <a:rPr lang="es-CL" u="sng" dirty="0"/>
+              <a:t>Trello</a:t>
+            </a:r>
+            <a:r>
+              <a:rPr lang="es-CL" dirty="0"/>
+              <a:t>: </a:t>
+            </a:r>
+            <a:r>
+              <a:rPr lang="es-CL" dirty="0">
+                <a:hlinkClick r:id="rId2"/>
+              </a:rPr>
+              <a:t>https://trello.com/b/Ro1vVVSN/examen-tranversal</a:t>
+            </a:r>
+            <a:endParaRPr lang="es-CL" dirty="0"/>
+          </a:p>
+          <a:p>
+            <a:r>
+              <a:rPr lang="es-CL" dirty="0"/>
+              <a:t>Link </a:t>
+            </a:r>
+            <a:r>
+              <a:rPr lang="es-CL" dirty="0" err="1"/>
+              <a:t>Github</a:t>
+            </a:r>
+            <a:r>
+              <a:rPr lang="es-CL" dirty="0"/>
+              <a:t>: https://github.com/DDiazGithub/examentranversal</a:t>
+            </a:r>
+          </a:p>
+        </p:txBody>
+      </p:sp>
+    </p:spTree>
+    <p:extLst>
+      <p:ext uri="{BB962C8B-B14F-4D97-AF65-F5344CB8AC3E}">
+        <p14:creationId xmlns:p14="http://schemas.microsoft.com/office/powerpoint/2010/main" val="2990699998"/>
+      </p:ext>
+    </p:extLst>
+  </p:cSld>
+  <p:clrMapOvr>
+    <a:masterClrMapping/>
+  </p:clrMapOvr>
+</p:sld>
+</file>
+
+<file path=ppt/slides/slide5.xml><?xml version="1.0" encoding="utf-8"?>
+<p:sld xmlns:a="http://schemas.openxmlformats.org/drawingml/2006/main" xmlns:r="http://schemas.openxmlformats.org/officeDocument/2006/relationships" xmlns:p="http://schemas.openxmlformats.org/presentationml/2006/main">
+  <p:cSld>
+    <p:spTree>
+      <p:nvGrpSpPr>
+        <p:cNvPr id="1" name=""/>
+        <p:cNvGrpSpPr/>
+        <p:nvPr/>
+      </p:nvGrpSpPr>
+      <p:grpSpPr>
+        <a:xfrm>
+          <a:off x="0" y="0"/>
+          <a:ext cx="0" cy="0"/>
+          <a:chOff x="0" y="0"/>
+          <a:chExt cx="0" cy="0"/>
+        </a:xfrm>
+      </p:grpSpPr>
+      <p:sp>
+        <p:nvSpPr>
+          <p:cNvPr id="2" name="Título 1">
+            <a:extLst>
+              <a:ext uri="{FF2B5EF4-FFF2-40B4-BE49-F238E27FC236}">
+                <a16:creationId xmlns:a16="http://schemas.microsoft.com/office/drawing/2014/main" id="{69C012BB-4F80-9D6E-B271-EDB90E32BA6B}"/>
+              </a:ext>
+            </a:extLst>
+          </p:cNvPr>
+          <p:cNvSpPr>
+            <a:spLocks noGrp="1"/>
+          </p:cNvSpPr>
+          <p:nvPr>
+            <p:ph type="title"/>
+          </p:nvPr>
+        </p:nvSpPr>
+        <p:spPr/>
+        <p:txBody>
+          <a:bodyPr/>
+          <a:lstStyle/>
+          <a:p>
+            <a:r>
+              <a:rPr lang="es-CL" dirty="0"/>
+              <a:t>Script base de datos</a:t>
+            </a:r>
+          </a:p>
+        </p:txBody>
+      </p:sp>
+      <p:sp>
+        <p:nvSpPr>
+          <p:cNvPr id="3" name="Marcador de contenido 2">
+            <a:extLst>
+              <a:ext uri="{FF2B5EF4-FFF2-40B4-BE49-F238E27FC236}">
+                <a16:creationId xmlns:a16="http://schemas.microsoft.com/office/drawing/2014/main" id="{C846B72A-F2B5-13EE-0838-C368B880EB57}"/>
+              </a:ext>
+            </a:extLst>
+          </p:cNvPr>
+          <p:cNvSpPr>
+            <a:spLocks noGrp="1"/>
+          </p:cNvSpPr>
+          <p:nvPr>
+            <p:ph idx="1"/>
+          </p:nvPr>
+        </p:nvSpPr>
+        <p:spPr/>
+        <p:txBody>
+          <a:bodyPr/>
+          <a:lstStyle/>
+          <a:p>
+            <a:endParaRPr lang="es-CL"/>
+          </a:p>
+        </p:txBody>
+      </p:sp>
+    </p:spTree>
+    <p:extLst>
+      <p:ext uri="{BB962C8B-B14F-4D97-AF65-F5344CB8AC3E}">
+        <p14:creationId xmlns:p14="http://schemas.microsoft.com/office/powerpoint/2010/main" val="793603295"/>
       </p:ext>
     </p:extLst>
   </p:cSld>

--- a/Proyecto Examen transversal.pptx
+++ b/Proyecto Examen transversal.pptx
@@ -166,7 +166,7 @@
           <a:noFill/>
           <a:extLst>
             <a:ext uri="{909E8E84-426E-40dd-AFC4-6F175D3DCCD1}">
-              <a14:hiddenFill xmlns="" xmlns:a14="http://schemas.microsoft.com/office/drawing/2010/main">
+              <a14:hiddenFill xmlns:a14="http://schemas.microsoft.com/office/drawing/2010/main" xmlns="">
                 <a:solidFill>
                   <a:srgbClr val="FFFFFF"/>
                 </a:solidFill>
@@ -226,7 +226,7 @@
             </a:ln>
             <a:extLst>
               <a:ext uri="{91240B29-F687-4f45-9708-019B960494DF}">
-                <a14:hiddenLine xmlns="" xmlns:a14="http://schemas.microsoft.com/office/drawing/2010/main" w="9525">
+                <a14:hiddenLine xmlns:a14="http://schemas.microsoft.com/office/drawing/2010/main" xmlns="" w="9525">
                   <a:solidFill>
                     <a:srgbClr val="000000"/>
                   </a:solidFill>
@@ -316,7 +316,7 @@
             </a:ln>
             <a:extLst>
               <a:ext uri="{91240B29-F687-4f45-9708-019B960494DF}">
-                <a14:hiddenLine xmlns="" xmlns:a14="http://schemas.microsoft.com/office/drawing/2010/main" w="9525">
+                <a14:hiddenLine xmlns:a14="http://schemas.microsoft.com/office/drawing/2010/main" xmlns="" w="9525">
                   <a:solidFill>
                     <a:srgbClr val="000000"/>
                   </a:solidFill>
@@ -406,7 +406,7 @@
             </a:ln>
             <a:extLst>
               <a:ext uri="{91240B29-F687-4f45-9708-019B960494DF}">
-                <a14:hiddenLine xmlns="" xmlns:a14="http://schemas.microsoft.com/office/drawing/2010/main" w="9525">
+                <a14:hiddenLine xmlns:a14="http://schemas.microsoft.com/office/drawing/2010/main" xmlns="" w="9525">
                   <a:solidFill>
                     <a:srgbClr val="000000"/>
                   </a:solidFill>
@@ -440,7 +440,7 @@
             </a:ln>
             <a:extLst>
               <a:ext uri="{91240B29-F687-4f45-9708-019B960494DF}">
-                <a14:hiddenLine xmlns="" xmlns:a14="http://schemas.microsoft.com/office/drawing/2010/main" w="9525">
+                <a14:hiddenLine xmlns:a14="http://schemas.microsoft.com/office/drawing/2010/main" xmlns="" w="9525">
                   <a:solidFill>
                     <a:srgbClr val="000000"/>
                   </a:solidFill>
@@ -530,7 +530,7 @@
             </a:ln>
             <a:extLst>
               <a:ext uri="{91240B29-F687-4f45-9708-019B960494DF}">
-                <a14:hiddenLine xmlns="" xmlns:a14="http://schemas.microsoft.com/office/drawing/2010/main" w="9525">
+                <a14:hiddenLine xmlns:a14="http://schemas.microsoft.com/office/drawing/2010/main" xmlns="" w="9525">
                   <a:solidFill>
                     <a:srgbClr val="000000"/>
                   </a:solidFill>
@@ -592,7 +592,7 @@
             </a:ln>
             <a:extLst>
               <a:ext uri="{91240B29-F687-4f45-9708-019B960494DF}">
-                <a14:hiddenLine xmlns="" xmlns:a14="http://schemas.microsoft.com/office/drawing/2010/main" w="9525">
+                <a14:hiddenLine xmlns:a14="http://schemas.microsoft.com/office/drawing/2010/main" xmlns="" w="9525">
                   <a:solidFill>
                     <a:srgbClr val="000000"/>
                   </a:solidFill>
@@ -654,7 +654,7 @@
             </a:ln>
             <a:extLst>
               <a:ext uri="{91240B29-F687-4f45-9708-019B960494DF}">
-                <a14:hiddenLine xmlns="" xmlns:a14="http://schemas.microsoft.com/office/drawing/2010/main" w="9525">
+                <a14:hiddenLine xmlns:a14="http://schemas.microsoft.com/office/drawing/2010/main" xmlns="" w="9525">
                   <a:solidFill>
                     <a:srgbClr val="000000"/>
                   </a:solidFill>
@@ -744,7 +744,7 @@
             </a:ln>
             <a:extLst>
               <a:ext uri="{91240B29-F687-4f45-9708-019B960494DF}">
-                <a14:hiddenLine xmlns="" xmlns:a14="http://schemas.microsoft.com/office/drawing/2010/main" w="9525">
+                <a14:hiddenLine xmlns:a14="http://schemas.microsoft.com/office/drawing/2010/main" xmlns="" w="9525">
                   <a:solidFill>
                     <a:srgbClr val="000000"/>
                   </a:solidFill>
@@ -806,7 +806,7 @@
             </a:ln>
             <a:extLst>
               <a:ext uri="{91240B29-F687-4f45-9708-019B960494DF}">
-                <a14:hiddenLine xmlns="" xmlns:a14="http://schemas.microsoft.com/office/drawing/2010/main" w="9525">
+                <a14:hiddenLine xmlns:a14="http://schemas.microsoft.com/office/drawing/2010/main" xmlns="" w="9525">
                   <a:solidFill>
                     <a:srgbClr val="000000"/>
                   </a:solidFill>
@@ -868,7 +868,7 @@
             </a:ln>
             <a:extLst>
               <a:ext uri="{91240B29-F687-4f45-9708-019B960494DF}">
-                <a14:hiddenLine xmlns="" xmlns:a14="http://schemas.microsoft.com/office/drawing/2010/main" w="9525">
+                <a14:hiddenLine xmlns:a14="http://schemas.microsoft.com/office/drawing/2010/main" xmlns="" w="9525">
                   <a:solidFill>
                     <a:srgbClr val="000000"/>
                   </a:solidFill>
@@ -958,7 +958,7 @@
             </a:ln>
             <a:extLst>
               <a:ext uri="{91240B29-F687-4f45-9708-019B960494DF}">
-                <a14:hiddenLine xmlns="" xmlns:a14="http://schemas.microsoft.com/office/drawing/2010/main" w="9525">
+                <a14:hiddenLine xmlns:a14="http://schemas.microsoft.com/office/drawing/2010/main" xmlns="" w="9525">
                   <a:solidFill>
                     <a:srgbClr val="000000"/>
                   </a:solidFill>
@@ -1048,7 +1048,7 @@
             </a:ln>
             <a:extLst>
               <a:ext uri="{91240B29-F687-4f45-9708-019B960494DF}">
-                <a14:hiddenLine xmlns="" xmlns:a14="http://schemas.microsoft.com/office/drawing/2010/main" w="9525">
+                <a14:hiddenLine xmlns:a14="http://schemas.microsoft.com/office/drawing/2010/main" xmlns="" w="9525">
                   <a:solidFill>
                     <a:srgbClr val="000000"/>
                   </a:solidFill>
@@ -1110,7 +1110,7 @@
             </a:ln>
             <a:extLst>
               <a:ext uri="{91240B29-F687-4f45-9708-019B960494DF}">
-                <a14:hiddenLine xmlns="" xmlns:a14="http://schemas.microsoft.com/office/drawing/2010/main" w="9525">
+                <a14:hiddenLine xmlns:a14="http://schemas.microsoft.com/office/drawing/2010/main" xmlns="" w="9525">
                   <a:solidFill>
                     <a:srgbClr val="000000"/>
                   </a:solidFill>
@@ -1220,7 +1220,7 @@
             </a:ln>
             <a:extLst>
               <a:ext uri="{91240B29-F687-4f45-9708-019B960494DF}">
-                <a14:hiddenLine xmlns="" xmlns:a14="http://schemas.microsoft.com/office/drawing/2010/main" w="9525">
+                <a14:hiddenLine xmlns:a14="http://schemas.microsoft.com/office/drawing/2010/main" xmlns="" w="9525">
                   <a:solidFill>
                     <a:srgbClr val="000000"/>
                   </a:solidFill>
@@ -1282,7 +1282,7 @@
             </a:ln>
             <a:extLst>
               <a:ext uri="{91240B29-F687-4f45-9708-019B960494DF}">
-                <a14:hiddenLine xmlns="" xmlns:a14="http://schemas.microsoft.com/office/drawing/2010/main" w="9525">
+                <a14:hiddenLine xmlns:a14="http://schemas.microsoft.com/office/drawing/2010/main" xmlns="" w="9525">
                   <a:solidFill>
                     <a:srgbClr val="000000"/>
                   </a:solidFill>
@@ -1372,7 +1372,7 @@
             </a:ln>
             <a:extLst>
               <a:ext uri="{91240B29-F687-4f45-9708-019B960494DF}">
-                <a14:hiddenLine xmlns="" xmlns:a14="http://schemas.microsoft.com/office/drawing/2010/main" w="9525">
+                <a14:hiddenLine xmlns:a14="http://schemas.microsoft.com/office/drawing/2010/main" xmlns="" w="9525">
                   <a:solidFill>
                     <a:srgbClr val="000000"/>
                   </a:solidFill>
@@ -1462,7 +1462,7 @@
             </a:ln>
             <a:extLst>
               <a:ext uri="{91240B29-F687-4f45-9708-019B960494DF}">
-                <a14:hiddenLine xmlns="" xmlns:a14="http://schemas.microsoft.com/office/drawing/2010/main" w="9525">
+                <a14:hiddenLine xmlns:a14="http://schemas.microsoft.com/office/drawing/2010/main" xmlns="" w="9525">
                   <a:solidFill>
                     <a:srgbClr val="000000"/>
                   </a:solidFill>
@@ -1524,7 +1524,7 @@
             </a:ln>
             <a:extLst>
               <a:ext uri="{91240B29-F687-4f45-9708-019B960494DF}">
-                <a14:hiddenLine xmlns="" xmlns:a14="http://schemas.microsoft.com/office/drawing/2010/main" w="9525">
+                <a14:hiddenLine xmlns:a14="http://schemas.microsoft.com/office/drawing/2010/main" xmlns="" w="9525">
                   <a:solidFill>
                     <a:srgbClr val="000000"/>
                   </a:solidFill>
@@ -1614,7 +1614,7 @@
             </a:ln>
             <a:extLst>
               <a:ext uri="{91240B29-F687-4f45-9708-019B960494DF}">
-                <a14:hiddenLine xmlns="" xmlns:a14="http://schemas.microsoft.com/office/drawing/2010/main" w="9525">
+                <a14:hiddenLine xmlns:a14="http://schemas.microsoft.com/office/drawing/2010/main" xmlns="" w="9525">
                   <a:solidFill>
                     <a:srgbClr val="000000"/>
                   </a:solidFill>
@@ -1704,7 +1704,7 @@
             </a:ln>
             <a:extLst>
               <a:ext uri="{91240B29-F687-4f45-9708-019B960494DF}">
-                <a14:hiddenLine xmlns="" xmlns:a14="http://schemas.microsoft.com/office/drawing/2010/main" w="9525">
+                <a14:hiddenLine xmlns:a14="http://schemas.microsoft.com/office/drawing/2010/main" xmlns="" w="9525">
                   <a:solidFill>
                     <a:srgbClr val="000000"/>
                   </a:solidFill>
@@ -1760,7 +1760,7 @@
             </a:ln>
             <a:extLst>
               <a:ext uri="{91240B29-F687-4f45-9708-019B960494DF}">
-                <a14:hiddenLine xmlns="" xmlns:a14="http://schemas.microsoft.com/office/drawing/2010/main" w="9525">
+                <a14:hiddenLine xmlns:a14="http://schemas.microsoft.com/office/drawing/2010/main" xmlns="" w="9525">
                   <a:solidFill>
                     <a:srgbClr val="000000"/>
                   </a:solidFill>
@@ -1850,7 +1850,7 @@
             </a:ln>
             <a:extLst>
               <a:ext uri="{91240B29-F687-4f45-9708-019B960494DF}">
-                <a14:hiddenLine xmlns="" xmlns:a14="http://schemas.microsoft.com/office/drawing/2010/main" w="9525">
+                <a14:hiddenLine xmlns:a14="http://schemas.microsoft.com/office/drawing/2010/main" xmlns="" w="9525">
                   <a:solidFill>
                     <a:srgbClr val="000000"/>
                   </a:solidFill>
@@ -1906,7 +1906,7 @@
             </a:ln>
             <a:extLst>
               <a:ext uri="{91240B29-F687-4f45-9708-019B960494DF}">
-                <a14:hiddenLine xmlns="" xmlns:a14="http://schemas.microsoft.com/office/drawing/2010/main" w="9525">
+                <a14:hiddenLine xmlns:a14="http://schemas.microsoft.com/office/drawing/2010/main" xmlns="" w="9525">
                   <a:solidFill>
                     <a:srgbClr val="000000"/>
                   </a:solidFill>
@@ -1996,7 +1996,7 @@
             </a:ln>
             <a:extLst>
               <a:ext uri="{91240B29-F687-4f45-9708-019B960494DF}">
-                <a14:hiddenLine xmlns="" xmlns:a14="http://schemas.microsoft.com/office/drawing/2010/main" w="9525">
+                <a14:hiddenLine xmlns:a14="http://schemas.microsoft.com/office/drawing/2010/main" xmlns="" w="9525">
                   <a:solidFill>
                     <a:srgbClr val="000000"/>
                   </a:solidFill>
@@ -2064,7 +2064,7 @@
             </a:ln>
             <a:extLst>
               <a:ext uri="{91240B29-F687-4f45-9708-019B960494DF}">
-                <a14:hiddenLine xmlns="" xmlns:a14="http://schemas.microsoft.com/office/drawing/2010/main" w="9525">
+                <a14:hiddenLine xmlns:a14="http://schemas.microsoft.com/office/drawing/2010/main" xmlns="" w="9525">
                   <a:solidFill>
                     <a:srgbClr val="000000"/>
                   </a:solidFill>
@@ -2154,7 +2154,7 @@
             </a:ln>
             <a:extLst>
               <a:ext uri="{91240B29-F687-4f45-9708-019B960494DF}">
-                <a14:hiddenLine xmlns="" xmlns:a14="http://schemas.microsoft.com/office/drawing/2010/main" w="9525">
+                <a14:hiddenLine xmlns:a14="http://schemas.microsoft.com/office/drawing/2010/main" xmlns="" w="9525">
                   <a:solidFill>
                     <a:srgbClr val="000000"/>
                   </a:solidFill>
@@ -2222,7 +2222,7 @@
             </a:ln>
             <a:extLst>
               <a:ext uri="{91240B29-F687-4f45-9708-019B960494DF}">
-                <a14:hiddenLine xmlns="" xmlns:a14="http://schemas.microsoft.com/office/drawing/2010/main" w="9525">
+                <a14:hiddenLine xmlns:a14="http://schemas.microsoft.com/office/drawing/2010/main" xmlns="" w="9525">
                   <a:solidFill>
                     <a:srgbClr val="000000"/>
                   </a:solidFill>
@@ -2312,7 +2312,7 @@
             </a:ln>
             <a:extLst>
               <a:ext uri="{91240B29-F687-4f45-9708-019B960494DF}">
-                <a14:hiddenLine xmlns="" xmlns:a14="http://schemas.microsoft.com/office/drawing/2010/main" w="9525">
+                <a14:hiddenLine xmlns:a14="http://schemas.microsoft.com/office/drawing/2010/main" xmlns="" w="9525">
                   <a:solidFill>
                     <a:srgbClr val="000000"/>
                   </a:solidFill>
@@ -2346,7 +2346,7 @@
             </a:ln>
             <a:extLst>
               <a:ext uri="{91240B29-F687-4f45-9708-019B960494DF}">
-                <a14:hiddenLine xmlns="" xmlns:a14="http://schemas.microsoft.com/office/drawing/2010/main" w="9525">
+                <a14:hiddenLine xmlns:a14="http://schemas.microsoft.com/office/drawing/2010/main" xmlns="" w="9525">
                   <a:solidFill>
                     <a:srgbClr val="000000"/>
                   </a:solidFill>
@@ -2436,7 +2436,7 @@
             </a:ln>
             <a:extLst>
               <a:ext uri="{91240B29-F687-4f45-9708-019B960494DF}">
-                <a14:hiddenLine xmlns="" xmlns:a14="http://schemas.microsoft.com/office/drawing/2010/main" w="9525">
+                <a14:hiddenLine xmlns:a14="http://schemas.microsoft.com/office/drawing/2010/main" xmlns="" w="9525">
                   <a:solidFill>
                     <a:srgbClr val="000000"/>
                   </a:solidFill>
@@ -2498,7 +2498,7 @@
             </a:ln>
             <a:extLst>
               <a:ext uri="{91240B29-F687-4f45-9708-019B960494DF}">
-                <a14:hiddenLine xmlns="" xmlns:a14="http://schemas.microsoft.com/office/drawing/2010/main" w="9525">
+                <a14:hiddenLine xmlns:a14="http://schemas.microsoft.com/office/drawing/2010/main" xmlns="" w="9525">
                   <a:solidFill>
                     <a:srgbClr val="000000"/>
                   </a:solidFill>
@@ -2560,7 +2560,7 @@
             </a:ln>
             <a:extLst>
               <a:ext uri="{91240B29-F687-4f45-9708-019B960494DF}">
-                <a14:hiddenLine xmlns="" xmlns:a14="http://schemas.microsoft.com/office/drawing/2010/main" w="9525">
+                <a14:hiddenLine xmlns:a14="http://schemas.microsoft.com/office/drawing/2010/main" xmlns="" w="9525">
                   <a:solidFill>
                     <a:srgbClr val="000000"/>
                   </a:solidFill>
@@ -2650,7 +2650,7 @@
             </a:ln>
             <a:extLst>
               <a:ext uri="{91240B29-F687-4f45-9708-019B960494DF}">
-                <a14:hiddenLine xmlns="" xmlns:a14="http://schemas.microsoft.com/office/drawing/2010/main" w="9525">
+                <a14:hiddenLine xmlns:a14="http://schemas.microsoft.com/office/drawing/2010/main" xmlns="" w="9525">
                   <a:solidFill>
                     <a:srgbClr val="000000"/>
                   </a:solidFill>
@@ -2718,7 +2718,7 @@
             </a:ln>
             <a:extLst>
               <a:ext uri="{91240B29-F687-4f45-9708-019B960494DF}">
-                <a14:hiddenLine xmlns="" xmlns:a14="http://schemas.microsoft.com/office/drawing/2010/main" w="9525">
+                <a14:hiddenLine xmlns:a14="http://schemas.microsoft.com/office/drawing/2010/main" xmlns="" w="9525">
                   <a:solidFill>
                     <a:srgbClr val="000000"/>
                   </a:solidFill>
@@ -2780,7 +2780,7 @@
             </a:ln>
             <a:extLst>
               <a:ext uri="{91240B29-F687-4f45-9708-019B960494DF}">
-                <a14:hiddenLine xmlns="" xmlns:a14="http://schemas.microsoft.com/office/drawing/2010/main" w="9525">
+                <a14:hiddenLine xmlns:a14="http://schemas.microsoft.com/office/drawing/2010/main" xmlns="" w="9525">
                   <a:solidFill>
                     <a:srgbClr val="000000"/>
                   </a:solidFill>
@@ -2870,7 +2870,7 @@
             </a:ln>
             <a:extLst>
               <a:ext uri="{91240B29-F687-4f45-9708-019B960494DF}">
-                <a14:hiddenLine xmlns="" xmlns:a14="http://schemas.microsoft.com/office/drawing/2010/main" w="9525">
+                <a14:hiddenLine xmlns:a14="http://schemas.microsoft.com/office/drawing/2010/main" xmlns="" w="9525">
                   <a:solidFill>
                     <a:srgbClr val="000000"/>
                   </a:solidFill>
@@ -2932,7 +2932,7 @@
             </a:ln>
             <a:extLst>
               <a:ext uri="{91240B29-F687-4f45-9708-019B960494DF}">
-                <a14:hiddenLine xmlns="" xmlns:a14="http://schemas.microsoft.com/office/drawing/2010/main" w="9525">
+                <a14:hiddenLine xmlns:a14="http://schemas.microsoft.com/office/drawing/2010/main" xmlns="" w="9525">
                   <a:solidFill>
                     <a:srgbClr val="000000"/>
                   </a:solidFill>
@@ -3022,7 +3022,7 @@
             </a:ln>
             <a:extLst>
               <a:ext uri="{91240B29-F687-4f45-9708-019B960494DF}">
-                <a14:hiddenLine xmlns="" xmlns:a14="http://schemas.microsoft.com/office/drawing/2010/main" w="9525">
+                <a14:hiddenLine xmlns:a14="http://schemas.microsoft.com/office/drawing/2010/main" xmlns="" w="9525">
                   <a:solidFill>
                     <a:srgbClr val="000000"/>
                   </a:solidFill>
@@ -3084,7 +3084,7 @@
             </a:ln>
             <a:extLst>
               <a:ext uri="{91240B29-F687-4f45-9708-019B960494DF}">
-                <a14:hiddenLine xmlns="" xmlns:a14="http://schemas.microsoft.com/office/drawing/2010/main" w="9525">
+                <a14:hiddenLine xmlns:a14="http://schemas.microsoft.com/office/drawing/2010/main" xmlns="" w="9525">
                   <a:solidFill>
                     <a:srgbClr val="000000"/>
                   </a:solidFill>
@@ -3174,7 +3174,7 @@
             </a:ln>
             <a:extLst>
               <a:ext uri="{91240B29-F687-4f45-9708-019B960494DF}">
-                <a14:hiddenLine xmlns="" xmlns:a14="http://schemas.microsoft.com/office/drawing/2010/main" w="9525">
+                <a14:hiddenLine xmlns:a14="http://schemas.microsoft.com/office/drawing/2010/main" xmlns="" w="9525">
                   <a:solidFill>
                     <a:srgbClr val="000000"/>
                   </a:solidFill>
@@ -3208,7 +3208,7 @@
             </a:ln>
             <a:extLst>
               <a:ext uri="{91240B29-F687-4f45-9708-019B960494DF}">
-                <a14:hiddenLine xmlns="" xmlns:a14="http://schemas.microsoft.com/office/drawing/2010/main" w="9525">
+                <a14:hiddenLine xmlns:a14="http://schemas.microsoft.com/office/drawing/2010/main" xmlns="" w="9525">
                   <a:solidFill>
                     <a:srgbClr val="000000"/>
                   </a:solidFill>
@@ -3273,7 +3273,7 @@
             </a:ln>
             <a:extLst>
               <a:ext uri="{91240B29-F687-4f45-9708-019B960494DF}">
-                <a14:hiddenLine xmlns="" xmlns:a14="http://schemas.microsoft.com/office/drawing/2010/main" w="9525">
+                <a14:hiddenLine xmlns:a14="http://schemas.microsoft.com/office/drawing/2010/main" xmlns="" w="9525">
                   <a:solidFill>
                     <a:srgbClr val="000000"/>
                   </a:solidFill>
@@ -3363,7 +3363,7 @@
             </a:ln>
             <a:extLst>
               <a:ext uri="{91240B29-F687-4f45-9708-019B960494DF}">
-                <a14:hiddenLine xmlns="" xmlns:a14="http://schemas.microsoft.com/office/drawing/2010/main" w="9525">
+                <a14:hiddenLine xmlns:a14="http://schemas.microsoft.com/office/drawing/2010/main" xmlns="" w="9525">
                   <a:solidFill>
                     <a:srgbClr val="000000"/>
                   </a:solidFill>
@@ -3425,7 +3425,7 @@
             </a:ln>
             <a:extLst>
               <a:ext uri="{91240B29-F687-4f45-9708-019B960494DF}">
-                <a14:hiddenLine xmlns="" xmlns:a14="http://schemas.microsoft.com/office/drawing/2010/main" w="9525">
+                <a14:hiddenLine xmlns:a14="http://schemas.microsoft.com/office/drawing/2010/main" xmlns="" w="9525">
                   <a:solidFill>
                     <a:srgbClr val="000000"/>
                   </a:solidFill>
@@ -3515,7 +3515,7 @@
             </a:ln>
             <a:extLst>
               <a:ext uri="{91240B29-F687-4f45-9708-019B960494DF}">
-                <a14:hiddenLine xmlns="" xmlns:a14="http://schemas.microsoft.com/office/drawing/2010/main" w="9525">
+                <a14:hiddenLine xmlns:a14="http://schemas.microsoft.com/office/drawing/2010/main" xmlns="" w="9525">
                   <a:solidFill>
                     <a:srgbClr val="000000"/>
                   </a:solidFill>
@@ -3605,7 +3605,7 @@
             </a:ln>
             <a:extLst>
               <a:ext uri="{91240B29-F687-4f45-9708-019B960494DF}">
-                <a14:hiddenLine xmlns="" xmlns:a14="http://schemas.microsoft.com/office/drawing/2010/main" w="9525">
+                <a14:hiddenLine xmlns:a14="http://schemas.microsoft.com/office/drawing/2010/main" xmlns="" w="9525">
                   <a:solidFill>
                     <a:srgbClr val="000000"/>
                   </a:solidFill>
@@ -3670,7 +3670,7 @@
             </a:ln>
             <a:extLst>
               <a:ext uri="{91240B29-F687-4f45-9708-019B960494DF}">
-                <a14:hiddenLine xmlns="" xmlns:a14="http://schemas.microsoft.com/office/drawing/2010/main" w="9525">
+                <a14:hiddenLine xmlns:a14="http://schemas.microsoft.com/office/drawing/2010/main" xmlns="" w="9525">
                   <a:solidFill>
                     <a:srgbClr val="000000"/>
                   </a:solidFill>
@@ -3732,7 +3732,7 @@
             </a:ln>
             <a:extLst>
               <a:ext uri="{91240B29-F687-4f45-9708-019B960494DF}">
-                <a14:hiddenLine xmlns="" xmlns:a14="http://schemas.microsoft.com/office/drawing/2010/main" w="9525">
+                <a14:hiddenLine xmlns:a14="http://schemas.microsoft.com/office/drawing/2010/main" xmlns="" w="9525">
                   <a:solidFill>
                     <a:srgbClr val="000000"/>
                   </a:solidFill>
@@ -3822,7 +3822,7 @@
             </a:ln>
             <a:extLst>
               <a:ext uri="{91240B29-F687-4f45-9708-019B960494DF}">
-                <a14:hiddenLine xmlns="" xmlns:a14="http://schemas.microsoft.com/office/drawing/2010/main" w="9525">
+                <a14:hiddenLine xmlns:a14="http://schemas.microsoft.com/office/drawing/2010/main" xmlns="" w="9525">
                   <a:solidFill>
                     <a:srgbClr val="000000"/>
                   </a:solidFill>
@@ -3912,7 +3912,7 @@
             </a:ln>
             <a:extLst>
               <a:ext uri="{91240B29-F687-4f45-9708-019B960494DF}">
-                <a14:hiddenLine xmlns="" xmlns:a14="http://schemas.microsoft.com/office/drawing/2010/main" w="9525">
+                <a14:hiddenLine xmlns:a14="http://schemas.microsoft.com/office/drawing/2010/main" xmlns="" w="9525">
                   <a:solidFill>
                     <a:srgbClr val="000000"/>
                   </a:solidFill>
@@ -3974,7 +3974,7 @@
             </a:ln>
             <a:extLst>
               <a:ext uri="{91240B29-F687-4f45-9708-019B960494DF}">
-                <a14:hiddenLine xmlns="" xmlns:a14="http://schemas.microsoft.com/office/drawing/2010/main" w="9525">
+                <a14:hiddenLine xmlns:a14="http://schemas.microsoft.com/office/drawing/2010/main" xmlns="" w="9525">
                   <a:solidFill>
                     <a:srgbClr val="000000"/>
                   </a:solidFill>
@@ -4094,7 +4094,7 @@
             </a:ln>
             <a:extLst>
               <a:ext uri="{91240B29-F687-4f45-9708-019B960494DF}">
-                <a14:hiddenLine xmlns="" xmlns:a14="http://schemas.microsoft.com/office/drawing/2010/main" w="9525">
+                <a14:hiddenLine xmlns:a14="http://schemas.microsoft.com/office/drawing/2010/main" xmlns="" w="9525">
                   <a:solidFill>
                     <a:srgbClr val="000000"/>
                   </a:solidFill>
@@ -4162,7 +4162,7 @@
             </a:ln>
             <a:extLst>
               <a:ext uri="{91240B29-F687-4f45-9708-019B960494DF}">
-                <a14:hiddenLine xmlns="" xmlns:a14="http://schemas.microsoft.com/office/drawing/2010/main" w="9525">
+                <a14:hiddenLine xmlns:a14="http://schemas.microsoft.com/office/drawing/2010/main" xmlns="" w="9525">
                   <a:solidFill>
                     <a:srgbClr val="000000"/>
                   </a:solidFill>
@@ -4252,7 +4252,7 @@
             </a:ln>
             <a:extLst>
               <a:ext uri="{91240B29-F687-4f45-9708-019B960494DF}">
-                <a14:hiddenLine xmlns="" xmlns:a14="http://schemas.microsoft.com/office/drawing/2010/main" w="9525">
+                <a14:hiddenLine xmlns:a14="http://schemas.microsoft.com/office/drawing/2010/main" xmlns="" w="9525">
                   <a:solidFill>
                     <a:srgbClr val="000000"/>
                   </a:solidFill>
@@ -4392,7 +4392,7 @@
           <a:p>
             <a:fld id="{385B26FE-2E41-44AB-A29A-F73D389403F1}" type="datetimeFigureOut">
               <a:rPr lang="es-CL" smtClean="0"/>
-              <a:t>08-07-2022</a:t>
+              <a:t>09-07-2022</a:t>
             </a:fld>
             <a:endParaRPr lang="es-CL"/>
           </a:p>
@@ -4659,7 +4659,7 @@
           <a:p>
             <a:fld id="{385B26FE-2E41-44AB-A29A-F73D389403F1}" type="datetimeFigureOut">
               <a:rPr lang="es-CL" smtClean="0"/>
-              <a:t>08-07-2022</a:t>
+              <a:t>09-07-2022</a:t>
             </a:fld>
             <a:endParaRPr lang="es-CL"/>
           </a:p>
@@ -4855,7 +4855,7 @@
           <a:p>
             <a:fld id="{385B26FE-2E41-44AB-A29A-F73D389403F1}" type="datetimeFigureOut">
               <a:rPr lang="es-CL" smtClean="0"/>
-              <a:t>08-07-2022</a:t>
+              <a:t>09-07-2022</a:t>
             </a:fld>
             <a:endParaRPr lang="es-CL"/>
           </a:p>
@@ -5118,7 +5118,7 @@
           <a:p>
             <a:fld id="{385B26FE-2E41-44AB-A29A-F73D389403F1}" type="datetimeFigureOut">
               <a:rPr lang="es-CL" smtClean="0"/>
-              <a:t>08-07-2022</a:t>
+              <a:t>09-07-2022</a:t>
             </a:fld>
             <a:endParaRPr lang="es-CL"/>
           </a:p>
@@ -5552,7 +5552,7 @@
           <a:p>
             <a:fld id="{385B26FE-2E41-44AB-A29A-F73D389403F1}" type="datetimeFigureOut">
               <a:rPr lang="es-CL" smtClean="0"/>
-              <a:t>08-07-2022</a:t>
+              <a:t>09-07-2022</a:t>
             </a:fld>
             <a:endParaRPr lang="es-CL"/>
           </a:p>
@@ -6098,7 +6098,7 @@
           <a:p>
             <a:fld id="{385B26FE-2E41-44AB-A29A-F73D389403F1}" type="datetimeFigureOut">
               <a:rPr lang="es-CL" smtClean="0"/>
-              <a:t>08-07-2022</a:t>
+              <a:t>09-07-2022</a:t>
             </a:fld>
             <a:endParaRPr lang="es-CL"/>
           </a:p>
@@ -6818,7 +6818,7 @@
           <a:p>
             <a:fld id="{385B26FE-2E41-44AB-A29A-F73D389403F1}" type="datetimeFigureOut">
               <a:rPr lang="es-CL" smtClean="0"/>
-              <a:t>08-07-2022</a:t>
+              <a:t>09-07-2022</a:t>
             </a:fld>
             <a:endParaRPr lang="es-CL"/>
           </a:p>
@@ -6988,7 +6988,7 @@
           <a:p>
             <a:fld id="{385B26FE-2E41-44AB-A29A-F73D389403F1}" type="datetimeFigureOut">
               <a:rPr lang="es-CL" smtClean="0"/>
-              <a:t>08-07-2022</a:t>
+              <a:t>09-07-2022</a:t>
             </a:fld>
             <a:endParaRPr lang="es-CL"/>
           </a:p>
@@ -7168,7 +7168,7 @@
           <a:p>
             <a:fld id="{385B26FE-2E41-44AB-A29A-F73D389403F1}" type="datetimeFigureOut">
               <a:rPr lang="es-CL" smtClean="0"/>
-              <a:t>08-07-2022</a:t>
+              <a:t>09-07-2022</a:t>
             </a:fld>
             <a:endParaRPr lang="es-CL"/>
           </a:p>
@@ -7338,7 +7338,7 @@
           <a:p>
             <a:fld id="{385B26FE-2E41-44AB-A29A-F73D389403F1}" type="datetimeFigureOut">
               <a:rPr lang="es-CL" smtClean="0"/>
-              <a:t>08-07-2022</a:t>
+              <a:t>09-07-2022</a:t>
             </a:fld>
             <a:endParaRPr lang="es-CL"/>
           </a:p>
@@ -7588,7 +7588,7 @@
           <a:p>
             <a:fld id="{385B26FE-2E41-44AB-A29A-F73D389403F1}" type="datetimeFigureOut">
               <a:rPr lang="es-CL" smtClean="0"/>
-              <a:t>08-07-2022</a:t>
+              <a:t>09-07-2022</a:t>
             </a:fld>
             <a:endParaRPr lang="es-CL"/>
           </a:p>
@@ -7820,7 +7820,7 @@
           <a:p>
             <a:fld id="{385B26FE-2E41-44AB-A29A-F73D389403F1}" type="datetimeFigureOut">
               <a:rPr lang="es-CL" smtClean="0"/>
-              <a:t>08-07-2022</a:t>
+              <a:t>09-07-2022</a:t>
             </a:fld>
             <a:endParaRPr lang="es-CL"/>
           </a:p>
@@ -8201,7 +8201,7 @@
           <a:p>
             <a:fld id="{385B26FE-2E41-44AB-A29A-F73D389403F1}" type="datetimeFigureOut">
               <a:rPr lang="es-CL" smtClean="0"/>
-              <a:t>08-07-2022</a:t>
+              <a:t>09-07-2022</a:t>
             </a:fld>
             <a:endParaRPr lang="es-CL"/>
           </a:p>
@@ -8319,7 +8319,7 @@
           <a:p>
             <a:fld id="{385B26FE-2E41-44AB-A29A-F73D389403F1}" type="datetimeFigureOut">
               <a:rPr lang="es-CL" smtClean="0"/>
-              <a:t>08-07-2022</a:t>
+              <a:t>09-07-2022</a:t>
             </a:fld>
             <a:endParaRPr lang="es-CL"/>
           </a:p>
@@ -8414,7 +8414,7 @@
           <a:p>
             <a:fld id="{385B26FE-2E41-44AB-A29A-F73D389403F1}" type="datetimeFigureOut">
               <a:rPr lang="es-CL" smtClean="0"/>
-              <a:t>08-07-2022</a:t>
+              <a:t>09-07-2022</a:t>
             </a:fld>
             <a:endParaRPr lang="es-CL"/>
           </a:p>
@@ -8663,7 +8663,7 @@
           <a:p>
             <a:fld id="{385B26FE-2E41-44AB-A29A-F73D389403F1}" type="datetimeFigureOut">
               <a:rPr lang="es-CL" smtClean="0"/>
-              <a:t>08-07-2022</a:t>
+              <a:t>09-07-2022</a:t>
             </a:fld>
             <a:endParaRPr lang="es-CL"/>
           </a:p>
@@ -8943,7 +8943,7 @@
           <a:p>
             <a:fld id="{385B26FE-2E41-44AB-A29A-F73D389403F1}" type="datetimeFigureOut">
               <a:rPr lang="es-CL" smtClean="0"/>
-              <a:t>08-07-2022</a:t>
+              <a:t>09-07-2022</a:t>
             </a:fld>
             <a:endParaRPr lang="es-CL"/>
           </a:p>
@@ -9059,7 +9059,7 @@
           <a:noFill/>
           <a:extLst>
             <a:ext uri="{909E8E84-426E-40dd-AFC4-6F175D3DCCD1}">
-              <a14:hiddenFill xmlns="" xmlns:a14="http://schemas.microsoft.com/office/drawing/2010/main">
+              <a14:hiddenFill xmlns:a14="http://schemas.microsoft.com/office/drawing/2010/main" xmlns="">
                 <a:solidFill>
                   <a:srgbClr val="FFFFFF"/>
                 </a:solidFill>
@@ -9133,7 +9133,7 @@
               </a:ln>
               <a:extLst>
                 <a:ext uri="{91240B29-F687-4f45-9708-019B960494DF}">
-                  <a14:hiddenLine xmlns="" xmlns:a14="http://schemas.microsoft.com/office/drawing/2010/main" w="9525">
+                  <a14:hiddenLine xmlns:a14="http://schemas.microsoft.com/office/drawing/2010/main" xmlns="" w="9525">
                     <a:solidFill>
                       <a:srgbClr val="000000"/>
                     </a:solidFill>
@@ -9223,7 +9223,7 @@
               </a:ln>
               <a:extLst>
                 <a:ext uri="{91240B29-F687-4f45-9708-019B960494DF}">
-                  <a14:hiddenLine xmlns="" xmlns:a14="http://schemas.microsoft.com/office/drawing/2010/main" w="9525">
+                  <a14:hiddenLine xmlns:a14="http://schemas.microsoft.com/office/drawing/2010/main" xmlns="" w="9525">
                     <a:solidFill>
                       <a:srgbClr val="000000"/>
                     </a:solidFill>
@@ -9313,7 +9313,7 @@
               </a:ln>
               <a:extLst>
                 <a:ext uri="{91240B29-F687-4f45-9708-019B960494DF}">
-                  <a14:hiddenLine xmlns="" xmlns:a14="http://schemas.microsoft.com/office/drawing/2010/main" w="9525">
+                  <a14:hiddenLine xmlns:a14="http://schemas.microsoft.com/office/drawing/2010/main" xmlns="" w="9525">
                     <a:solidFill>
                       <a:srgbClr val="000000"/>
                     </a:solidFill>
@@ -9375,7 +9375,7 @@
               </a:ln>
               <a:extLst>
                 <a:ext uri="{91240B29-F687-4f45-9708-019B960494DF}">
-                  <a14:hiddenLine xmlns="" xmlns:a14="http://schemas.microsoft.com/office/drawing/2010/main" w="9525">
+                  <a14:hiddenLine xmlns:a14="http://schemas.microsoft.com/office/drawing/2010/main" xmlns="" w="9525">
                     <a:solidFill>
                       <a:srgbClr val="000000"/>
                     </a:solidFill>
@@ -9465,7 +9465,7 @@
               </a:ln>
               <a:extLst>
                 <a:ext uri="{91240B29-F687-4f45-9708-019B960494DF}">
-                  <a14:hiddenLine xmlns="" xmlns:a14="http://schemas.microsoft.com/office/drawing/2010/main" w="9525">
+                  <a14:hiddenLine xmlns:a14="http://schemas.microsoft.com/office/drawing/2010/main" xmlns="" w="9525">
                     <a:solidFill>
                       <a:srgbClr val="000000"/>
                     </a:solidFill>
@@ -9527,7 +9527,7 @@
               </a:ln>
               <a:extLst>
                 <a:ext uri="{91240B29-F687-4f45-9708-019B960494DF}">
-                  <a14:hiddenLine xmlns="" xmlns:a14="http://schemas.microsoft.com/office/drawing/2010/main" w="9525">
+                  <a14:hiddenLine xmlns:a14="http://schemas.microsoft.com/office/drawing/2010/main" xmlns="" w="9525">
                     <a:solidFill>
                       <a:srgbClr val="000000"/>
                     </a:solidFill>
@@ -9589,7 +9589,7 @@
               </a:ln>
               <a:extLst>
                 <a:ext uri="{91240B29-F687-4f45-9708-019B960494DF}">
-                  <a14:hiddenLine xmlns="" xmlns:a14="http://schemas.microsoft.com/office/drawing/2010/main" w="9525">
+                  <a14:hiddenLine xmlns:a14="http://schemas.microsoft.com/office/drawing/2010/main" xmlns="" w="9525">
                     <a:solidFill>
                       <a:srgbClr val="000000"/>
                     </a:solidFill>
@@ -9679,7 +9679,7 @@
               </a:ln>
               <a:extLst>
                 <a:ext uri="{91240B29-F687-4f45-9708-019B960494DF}">
-                  <a14:hiddenLine xmlns="" xmlns:a14="http://schemas.microsoft.com/office/drawing/2010/main" w="9525">
+                  <a14:hiddenLine xmlns:a14="http://schemas.microsoft.com/office/drawing/2010/main" xmlns="" w="9525">
                     <a:solidFill>
                       <a:srgbClr val="000000"/>
                     </a:solidFill>
@@ -9769,7 +9769,7 @@
               </a:ln>
               <a:extLst>
                 <a:ext uri="{91240B29-F687-4f45-9708-019B960494DF}">
-                  <a14:hiddenLine xmlns="" xmlns:a14="http://schemas.microsoft.com/office/drawing/2010/main" w="9525">
+                  <a14:hiddenLine xmlns:a14="http://schemas.microsoft.com/office/drawing/2010/main" xmlns="" w="9525">
                     <a:solidFill>
                       <a:srgbClr val="000000"/>
                     </a:solidFill>
@@ -9831,7 +9831,7 @@
               </a:ln>
               <a:extLst>
                 <a:ext uri="{91240B29-F687-4f45-9708-019B960494DF}">
-                  <a14:hiddenLine xmlns="" xmlns:a14="http://schemas.microsoft.com/office/drawing/2010/main" w="9525">
+                  <a14:hiddenLine xmlns:a14="http://schemas.microsoft.com/office/drawing/2010/main" xmlns="" w="9525">
                     <a:solidFill>
                       <a:srgbClr val="000000"/>
                     </a:solidFill>
@@ -9941,7 +9941,7 @@
               </a:ln>
               <a:extLst>
                 <a:ext uri="{91240B29-F687-4f45-9708-019B960494DF}">
-                  <a14:hiddenLine xmlns="" xmlns:a14="http://schemas.microsoft.com/office/drawing/2010/main" w="9525">
+                  <a14:hiddenLine xmlns:a14="http://schemas.microsoft.com/office/drawing/2010/main" xmlns="" w="9525">
                     <a:solidFill>
                       <a:srgbClr val="000000"/>
                     </a:solidFill>
@@ -10025,7 +10025,7 @@
               </a:ln>
               <a:extLst>
                 <a:ext uri="{91240B29-F687-4f45-9708-019B960494DF}">
-                  <a14:hiddenLine xmlns="" xmlns:a14="http://schemas.microsoft.com/office/drawing/2010/main" w="9525">
+                  <a14:hiddenLine xmlns:a14="http://schemas.microsoft.com/office/drawing/2010/main" xmlns="" w="9525">
                     <a:solidFill>
                       <a:srgbClr val="000000"/>
                     </a:solidFill>
@@ -10087,7 +10087,7 @@
               </a:ln>
               <a:extLst>
                 <a:ext uri="{91240B29-F687-4f45-9708-019B960494DF}">
-                  <a14:hiddenLine xmlns="" xmlns:a14="http://schemas.microsoft.com/office/drawing/2010/main" w="9525">
+                  <a14:hiddenLine xmlns:a14="http://schemas.microsoft.com/office/drawing/2010/main" xmlns="" w="9525">
                     <a:solidFill>
                       <a:srgbClr val="000000"/>
                     </a:solidFill>
@@ -10149,7 +10149,7 @@
               </a:ln>
               <a:extLst>
                 <a:ext uri="{91240B29-F687-4f45-9708-019B960494DF}">
-                  <a14:hiddenLine xmlns="" xmlns:a14="http://schemas.microsoft.com/office/drawing/2010/main" w="9525">
+                  <a14:hiddenLine xmlns:a14="http://schemas.microsoft.com/office/drawing/2010/main" xmlns="" w="9525">
                     <a:solidFill>
                       <a:srgbClr val="000000"/>
                     </a:solidFill>
@@ -10239,7 +10239,7 @@
               </a:ln>
               <a:extLst>
                 <a:ext uri="{91240B29-F687-4f45-9708-019B960494DF}">
-                  <a14:hiddenLine xmlns="" xmlns:a14="http://schemas.microsoft.com/office/drawing/2010/main" w="9525">
+                  <a14:hiddenLine xmlns:a14="http://schemas.microsoft.com/office/drawing/2010/main" xmlns="" w="9525">
                     <a:solidFill>
                       <a:srgbClr val="000000"/>
                     </a:solidFill>
@@ -10273,7 +10273,7 @@
               </a:ln>
               <a:extLst>
                 <a:ext uri="{91240B29-F687-4f45-9708-019B960494DF}">
-                  <a14:hiddenLine xmlns="" xmlns:a14="http://schemas.microsoft.com/office/drawing/2010/main" w="9525">
+                  <a14:hiddenLine xmlns:a14="http://schemas.microsoft.com/office/drawing/2010/main" xmlns="" w="9525">
                     <a:solidFill>
                       <a:srgbClr val="000000"/>
                     </a:solidFill>
@@ -10338,7 +10338,7 @@
               </a:ln>
               <a:extLst>
                 <a:ext uri="{91240B29-F687-4f45-9708-019B960494DF}">
-                  <a14:hiddenLine xmlns="" xmlns:a14="http://schemas.microsoft.com/office/drawing/2010/main" w="9525">
+                  <a14:hiddenLine xmlns:a14="http://schemas.microsoft.com/office/drawing/2010/main" xmlns="" w="9525">
                     <a:solidFill>
                       <a:srgbClr val="000000"/>
                     </a:solidFill>
@@ -10428,7 +10428,7 @@
               </a:ln>
               <a:extLst>
                 <a:ext uri="{91240B29-F687-4f45-9708-019B960494DF}">
-                  <a14:hiddenLine xmlns="" xmlns:a14="http://schemas.microsoft.com/office/drawing/2010/main" w="9525">
+                  <a14:hiddenLine xmlns:a14="http://schemas.microsoft.com/office/drawing/2010/main" xmlns="" w="9525">
                     <a:solidFill>
                       <a:srgbClr val="000000"/>
                     </a:solidFill>
@@ -10490,7 +10490,7 @@
               </a:ln>
               <a:extLst>
                 <a:ext uri="{91240B29-F687-4f45-9708-019B960494DF}">
-                  <a14:hiddenLine xmlns="" xmlns:a14="http://schemas.microsoft.com/office/drawing/2010/main" w="9525">
+                  <a14:hiddenLine xmlns:a14="http://schemas.microsoft.com/office/drawing/2010/main" xmlns="" w="9525">
                     <a:solidFill>
                       <a:srgbClr val="000000"/>
                     </a:solidFill>
@@ -10580,7 +10580,7 @@
               </a:ln>
               <a:extLst>
                 <a:ext uri="{91240B29-F687-4f45-9708-019B960494DF}">
-                  <a14:hiddenLine xmlns="" xmlns:a14="http://schemas.microsoft.com/office/drawing/2010/main" w="9525">
+                  <a14:hiddenLine xmlns:a14="http://schemas.microsoft.com/office/drawing/2010/main" xmlns="" w="9525">
                     <a:solidFill>
                       <a:srgbClr val="000000"/>
                     </a:solidFill>
@@ -10645,7 +10645,7 @@
               </a:ln>
               <a:extLst>
                 <a:ext uri="{91240B29-F687-4f45-9708-019B960494DF}">
-                  <a14:hiddenLine xmlns="" xmlns:a14="http://schemas.microsoft.com/office/drawing/2010/main" w="9525">
+                  <a14:hiddenLine xmlns:a14="http://schemas.microsoft.com/office/drawing/2010/main" xmlns="" w="9525">
                     <a:solidFill>
                       <a:srgbClr val="000000"/>
                     </a:solidFill>
@@ -10707,7 +10707,7 @@
               </a:ln>
               <a:extLst>
                 <a:ext uri="{91240B29-F687-4f45-9708-019B960494DF}">
-                  <a14:hiddenLine xmlns="" xmlns:a14="http://schemas.microsoft.com/office/drawing/2010/main" w="9525">
+                  <a14:hiddenLine xmlns:a14="http://schemas.microsoft.com/office/drawing/2010/main" xmlns="" w="9525">
                     <a:solidFill>
                       <a:srgbClr val="000000"/>
                     </a:solidFill>
@@ -10797,7 +10797,7 @@
               </a:ln>
               <a:extLst>
                 <a:ext uri="{91240B29-F687-4f45-9708-019B960494DF}">
-                  <a14:hiddenLine xmlns="" xmlns:a14="http://schemas.microsoft.com/office/drawing/2010/main" w="9525">
+                  <a14:hiddenLine xmlns:a14="http://schemas.microsoft.com/office/drawing/2010/main" xmlns="" w="9525">
                     <a:solidFill>
                       <a:srgbClr val="000000"/>
                     </a:solidFill>
@@ -10887,7 +10887,7 @@
               </a:ln>
               <a:extLst>
                 <a:ext uri="{91240B29-F687-4f45-9708-019B960494DF}">
-                  <a14:hiddenLine xmlns="" xmlns:a14="http://schemas.microsoft.com/office/drawing/2010/main" w="9525">
+                  <a14:hiddenLine xmlns:a14="http://schemas.microsoft.com/office/drawing/2010/main" xmlns="" w="9525">
                     <a:solidFill>
                       <a:srgbClr val="000000"/>
                     </a:solidFill>
@@ -10952,7 +10952,7 @@
               </a:ln>
               <a:extLst>
                 <a:ext uri="{91240B29-F687-4f45-9708-019B960494DF}">
-                  <a14:hiddenLine xmlns="" xmlns:a14="http://schemas.microsoft.com/office/drawing/2010/main" w="9525">
+                  <a14:hiddenLine xmlns:a14="http://schemas.microsoft.com/office/drawing/2010/main" xmlns="" w="9525">
                     <a:solidFill>
                       <a:srgbClr val="000000"/>
                     </a:solidFill>
@@ -11072,7 +11072,7 @@
               </a:ln>
               <a:extLst>
                 <a:ext uri="{91240B29-F687-4f45-9708-019B960494DF}">
-                  <a14:hiddenLine xmlns="" xmlns:a14="http://schemas.microsoft.com/office/drawing/2010/main" w="9525">
+                  <a14:hiddenLine xmlns:a14="http://schemas.microsoft.com/office/drawing/2010/main" xmlns="" w="9525">
                     <a:solidFill>
                       <a:srgbClr val="000000"/>
                     </a:solidFill>
@@ -11170,7 +11170,7 @@
               </a:ln>
               <a:extLst>
                 <a:ext uri="{91240B29-F687-4f45-9708-019B960494DF}">
-                  <a14:hiddenLine xmlns="" xmlns:a14="http://schemas.microsoft.com/office/drawing/2010/main" w="9525">
+                  <a14:hiddenLine xmlns:a14="http://schemas.microsoft.com/office/drawing/2010/main" xmlns="" w="9525">
                     <a:solidFill>
                       <a:srgbClr val="000000"/>
                     </a:solidFill>
@@ -11285,7 +11285,7 @@
               </a:ln>
               <a:extLst>
                 <a:ext uri="{91240B29-F687-4f45-9708-019B960494DF}">
-                  <a14:hiddenLine xmlns="" xmlns:a14="http://schemas.microsoft.com/office/drawing/2010/main" w="9525">
+                  <a14:hiddenLine xmlns:a14="http://schemas.microsoft.com/office/drawing/2010/main" xmlns="" w="9525">
                     <a:solidFill>
                       <a:srgbClr val="000000"/>
                     </a:solidFill>
@@ -11375,7 +11375,7 @@
               </a:ln>
               <a:extLst>
                 <a:ext uri="{91240B29-F687-4f45-9708-019B960494DF}">
-                  <a14:hiddenLine xmlns="" xmlns:a14="http://schemas.microsoft.com/office/drawing/2010/main" w="9525">
+                  <a14:hiddenLine xmlns:a14="http://schemas.microsoft.com/office/drawing/2010/main" xmlns="" w="9525">
                     <a:solidFill>
                       <a:srgbClr val="000000"/>
                     </a:solidFill>
@@ -11440,7 +11440,7 @@
               </a:ln>
               <a:extLst>
                 <a:ext uri="{91240B29-F687-4f45-9708-019B960494DF}">
-                  <a14:hiddenLine xmlns="" xmlns:a14="http://schemas.microsoft.com/office/drawing/2010/main" w="9525">
+                  <a14:hiddenLine xmlns:a14="http://schemas.microsoft.com/office/drawing/2010/main" xmlns="" w="9525">
                     <a:solidFill>
                       <a:srgbClr val="000000"/>
                     </a:solidFill>
@@ -11530,7 +11530,7 @@
               </a:ln>
               <a:extLst>
                 <a:ext uri="{91240B29-F687-4f45-9708-019B960494DF}">
-                  <a14:hiddenLine xmlns="" xmlns:a14="http://schemas.microsoft.com/office/drawing/2010/main" w="9525">
+                  <a14:hiddenLine xmlns:a14="http://schemas.microsoft.com/office/drawing/2010/main" xmlns="" w="9525">
                     <a:solidFill>
                       <a:srgbClr val="000000"/>
                     </a:solidFill>
@@ -11598,7 +11598,7 @@
               </a:ln>
               <a:extLst>
                 <a:ext uri="{91240B29-F687-4f45-9708-019B960494DF}">
-                  <a14:hiddenLine xmlns="" xmlns:a14="http://schemas.microsoft.com/office/drawing/2010/main" w="9525">
+                  <a14:hiddenLine xmlns:a14="http://schemas.microsoft.com/office/drawing/2010/main" xmlns="" w="9525">
                     <a:solidFill>
                       <a:srgbClr val="000000"/>
                     </a:solidFill>
@@ -11688,7 +11688,7 @@
               </a:ln>
               <a:extLst>
                 <a:ext uri="{91240B29-F687-4f45-9708-019B960494DF}">
-                  <a14:hiddenLine xmlns="" xmlns:a14="http://schemas.microsoft.com/office/drawing/2010/main" w="9525">
+                  <a14:hiddenLine xmlns:a14="http://schemas.microsoft.com/office/drawing/2010/main" xmlns="" w="9525">
                     <a:solidFill>
                       <a:srgbClr val="000000"/>
                     </a:solidFill>
@@ -11756,7 +11756,7 @@
               </a:ln>
               <a:extLst>
                 <a:ext uri="{91240B29-F687-4f45-9708-019B960494DF}">
-                  <a14:hiddenLine xmlns="" xmlns:a14="http://schemas.microsoft.com/office/drawing/2010/main" w="9525">
+                  <a14:hiddenLine xmlns:a14="http://schemas.microsoft.com/office/drawing/2010/main" xmlns="" w="9525">
                     <a:solidFill>
                       <a:srgbClr val="000000"/>
                     </a:solidFill>
@@ -11846,7 +11846,7 @@
               </a:ln>
               <a:extLst>
                 <a:ext uri="{91240B29-F687-4f45-9708-019B960494DF}">
-                  <a14:hiddenLine xmlns="" xmlns:a14="http://schemas.microsoft.com/office/drawing/2010/main" w="9525">
+                  <a14:hiddenLine xmlns:a14="http://schemas.microsoft.com/office/drawing/2010/main" xmlns="" w="9525">
                     <a:solidFill>
                       <a:srgbClr val="000000"/>
                     </a:solidFill>
@@ -11880,7 +11880,7 @@
               </a:ln>
               <a:extLst>
                 <a:ext uri="{91240B29-F687-4f45-9708-019B960494DF}">
-                  <a14:hiddenLine xmlns="" xmlns:a14="http://schemas.microsoft.com/office/drawing/2010/main" w="9525">
+                  <a14:hiddenLine xmlns:a14="http://schemas.microsoft.com/office/drawing/2010/main" xmlns="" w="9525">
                     <a:solidFill>
                       <a:srgbClr val="000000"/>
                     </a:solidFill>
@@ -12020,7 +12020,7 @@
           <a:p>
             <a:fld id="{385B26FE-2E41-44AB-A29A-F73D389403F1}" type="datetimeFigureOut">
               <a:rPr lang="es-CL" smtClean="0"/>
-              <a:t>08-07-2022</a:t>
+              <a:t>09-07-2022</a:t>
             </a:fld>
             <a:endParaRPr lang="es-CL"/>
           </a:p>
@@ -13419,7 +13419,12 @@
             <p:ph type="title"/>
           </p:nvPr>
         </p:nvSpPr>
-        <p:spPr/>
+        <p:spPr>
+          <a:xfrm>
+            <a:off x="4696377" y="-149905"/>
+            <a:ext cx="9905998" cy="1478570"/>
+          </a:xfrm>
+        </p:spPr>
         <p:txBody>
           <a:bodyPr/>
           <a:lstStyle/>
@@ -13447,9 +13452,16 @@
             <p:ph idx="1"/>
           </p:nvPr>
         </p:nvSpPr>
-        <p:spPr/>
+        <p:spPr>
+          <a:xfrm>
+            <a:off x="1141413" y="989854"/>
+            <a:ext cx="9905999" cy="4197966"/>
+          </a:xfrm>
+        </p:spPr>
         <p:txBody>
-          <a:bodyPr/>
+          <a:bodyPr>
+            <a:normAutofit/>
+          </a:bodyPr>
           <a:lstStyle/>
           <a:p>
             <a:r>
@@ -13473,9 +13485,27 @@
             <a:endParaRPr lang="es-CL" dirty="0"/>
           </a:p>
           <a:p>
+            <a:endParaRPr lang="es-CL" dirty="0"/>
+          </a:p>
+          <a:p>
+            <a:endParaRPr lang="es-CL" dirty="0"/>
+          </a:p>
+          <a:p>
+            <a:endParaRPr lang="es-CL" dirty="0"/>
+          </a:p>
+          <a:p>
+            <a:endParaRPr lang="es-CL" dirty="0"/>
+          </a:p>
+          <a:p>
+            <a:endParaRPr lang="es-CL" dirty="0"/>
+          </a:p>
+          <a:p>
+            <a:pPr marL="0" indent="0">
+              <a:buNone/>
+            </a:pPr>
             <a:r>
               <a:rPr lang="es-CL" dirty="0"/>
-              <a:t>Link </a:t>
+              <a:t> Link </a:t>
             </a:r>
             <a:r>
               <a:rPr lang="es-CL" dirty="0" err="1"/>
@@ -13488,6 +13518,66 @@
           </a:p>
         </p:txBody>
       </p:sp>
+      <p:pic>
+        <p:nvPicPr>
+          <p:cNvPr id="5" name="Imagen 4">
+            <a:extLst>
+              <a:ext uri="{FF2B5EF4-FFF2-40B4-BE49-F238E27FC236}">
+                <a16:creationId xmlns:a16="http://schemas.microsoft.com/office/drawing/2014/main" id="{F6F4181B-E67D-E117-8ADF-D96D76884576}"/>
+              </a:ext>
+            </a:extLst>
+          </p:cNvPr>
+          <p:cNvPicPr>
+            <a:picLocks noChangeAspect="1"/>
+          </p:cNvPicPr>
+          <p:nvPr/>
+        </p:nvPicPr>
+        <p:blipFill>
+          <a:blip r:embed="rId3"/>
+          <a:stretch>
+            <a:fillRect/>
+          </a:stretch>
+        </p:blipFill>
+        <p:spPr>
+          <a:xfrm>
+            <a:off x="3052271" y="1667475"/>
+            <a:ext cx="5143846" cy="2830021"/>
+          </a:xfrm>
+          <a:prstGeom prst="rect">
+            <a:avLst/>
+          </a:prstGeom>
+        </p:spPr>
+      </p:pic>
+      <p:pic>
+        <p:nvPicPr>
+          <p:cNvPr id="7" name="Imagen 6">
+            <a:extLst>
+              <a:ext uri="{FF2B5EF4-FFF2-40B4-BE49-F238E27FC236}">
+                <a16:creationId xmlns:a16="http://schemas.microsoft.com/office/drawing/2014/main" id="{E8A98C62-27C3-1EC5-9664-5FF1E990A7FE}"/>
+              </a:ext>
+            </a:extLst>
+          </p:cNvPr>
+          <p:cNvPicPr>
+            <a:picLocks noChangeAspect="1"/>
+          </p:cNvPicPr>
+          <p:nvPr/>
+        </p:nvPicPr>
+        <p:blipFill>
+          <a:blip r:embed="rId4"/>
+          <a:stretch>
+            <a:fillRect/>
+          </a:stretch>
+        </p:blipFill>
+        <p:spPr>
+          <a:xfrm>
+            <a:off x="3326700" y="4872343"/>
+            <a:ext cx="4594989" cy="1860842"/>
+          </a:xfrm>
+          <a:prstGeom prst="rect">
+            <a:avLst/>
+          </a:prstGeom>
+        </p:spPr>
+      </p:pic>
     </p:spTree>
     <p:extLst>
       <p:ext uri="{BB962C8B-B14F-4D97-AF65-F5344CB8AC3E}">
